--- a/Statistics an unreliable friend/SQL Saturday 971 Oslo - Statistics an unreliable friend/Statistics_An_Unreliable_Friend_Transmokopter.pptx
+++ b/Statistics an unreliable friend/SQL Saturday 971 Oslo - Statistics an unreliable friend/Statistics_An_Unreliable_Friend_Transmokopter.pptx
@@ -6,12 +6,12 @@
     <p:sldMasterId id="2147483668" r:id="rId5"/>
   </p:sldMasterIdLst>
   <p:notesMasterIdLst>
-    <p:notesMasterId r:id="rId23"/>
+    <p:notesMasterId r:id="rId25"/>
   </p:notesMasterIdLst>
   <p:sldIdLst>
     <p:sldId id="260" r:id="rId6"/>
     <p:sldId id="257" r:id="rId7"/>
-    <p:sldId id="261" r:id="rId8"/>
+    <p:sldId id="287" r:id="rId8"/>
     <p:sldId id="274" r:id="rId9"/>
     <p:sldId id="269" r:id="rId10"/>
     <p:sldId id="270" r:id="rId11"/>
@@ -19,13 +19,15 @@
     <p:sldId id="284" r:id="rId13"/>
     <p:sldId id="272" r:id="rId14"/>
     <p:sldId id="279" r:id="rId15"/>
-    <p:sldId id="275" r:id="rId16"/>
-    <p:sldId id="276" r:id="rId17"/>
-    <p:sldId id="286" r:id="rId18"/>
-    <p:sldId id="277" r:id="rId19"/>
-    <p:sldId id="281" r:id="rId20"/>
-    <p:sldId id="282" r:id="rId21"/>
+    <p:sldId id="288" r:id="rId16"/>
+    <p:sldId id="275" r:id="rId17"/>
+    <p:sldId id="276" r:id="rId18"/>
+    <p:sldId id="286" r:id="rId19"/>
+    <p:sldId id="277" r:id="rId20"/>
+    <p:sldId id="281" r:id="rId21"/>
     <p:sldId id="285" r:id="rId22"/>
+    <p:sldId id="289" r:id="rId23"/>
+    <p:sldId id="290" r:id="rId24"/>
   </p:sldIdLst>
   <p:sldSz cx="12192000" cy="6858000"/>
   <p:notesSz cx="6858000" cy="9144000"/>
@@ -977,6 +979,64 @@
 </pc:chgInfo>
 </file>
 
+<file path=ppt/ink/ink1.xml><?xml version="1.0" encoding="utf-8"?>
+<inkml:ink xmlns:inkml="http://www.w3.org/2003/InkML">
+  <inkml:definitions>
+    <inkml:context xml:id="ctx0">
+      <inkml:inkSource xml:id="inkSrc0">
+        <inkml:traceFormat>
+          <inkml:channel name="X" type="integer" min="-2.14748E9" max="2.14748E9" units="cm"/>
+          <inkml:channel name="Y" type="integer" min="-2.14748E9" max="2.14748E9" units="cm"/>
+        </inkml:traceFormat>
+        <inkml:channelProperties>
+          <inkml:channelProperty channel="X" name="resolution" value="1000" units="1/cm"/>
+          <inkml:channelProperty channel="Y" name="resolution" value="1000" units="1/cm"/>
+        </inkml:channelProperties>
+      </inkml:inkSource>
+      <inkml:timestamp xml:id="ts0" timeString="2020-08-26T13:19:58.516"/>
+    </inkml:context>
+    <inkml:brush xml:id="br0">
+      <inkml:brushProperty name="width" value="0.3" units="cm"/>
+      <inkml:brushProperty name="height" value="0.6" units="cm"/>
+      <inkml:brushProperty name="color" value="#FFFC00"/>
+      <inkml:brushProperty name="tip" value="rectangle"/>
+      <inkml:brushProperty name="rasterOp" value="maskPen"/>
+      <inkml:brushProperty name="ignorePressure" value="1"/>
+    </inkml:brush>
+  </inkml:definitions>
+  <inkml:trace contextRef="#ctx0" brushRef="#br0">30 2478,'0'-1320,"-1"1291,-1 1,-9-54,6 51,1 0,-1-39,4-490,3 269,-2 257</inkml:trace>
+</inkml:ink>
+</file>
+
+<file path=ppt/ink/ink2.xml><?xml version="1.0" encoding="utf-8"?>
+<inkml:ink xmlns:inkml="http://www.w3.org/2003/InkML">
+  <inkml:definitions>
+    <inkml:context xml:id="ctx0">
+      <inkml:inkSource xml:id="inkSrc0">
+        <inkml:traceFormat>
+          <inkml:channel name="X" type="integer" min="-2.14748E9" max="2.14748E9" units="cm"/>
+          <inkml:channel name="Y" type="integer" min="-2.14748E9" max="2.14748E9" units="cm"/>
+        </inkml:traceFormat>
+        <inkml:channelProperties>
+          <inkml:channelProperty channel="X" name="resolution" value="1000" units="1/cm"/>
+          <inkml:channelProperty channel="Y" name="resolution" value="1000" units="1/cm"/>
+        </inkml:channelProperties>
+      </inkml:inkSource>
+      <inkml:timestamp xml:id="ts0" timeString="2020-08-26T13:20:53.708"/>
+    </inkml:context>
+    <inkml:brush xml:id="br0">
+      <inkml:brushProperty name="width" value="0.3" units="cm"/>
+      <inkml:brushProperty name="height" value="0.6" units="cm"/>
+      <inkml:brushProperty name="color" value="#FF2500"/>
+      <inkml:brushProperty name="tip" value="rectangle"/>
+      <inkml:brushProperty name="rasterOp" value="maskPen"/>
+      <inkml:brushProperty name="ignorePressure" value="1"/>
+    </inkml:brush>
+  </inkml:definitions>
+  <inkml:trace contextRef="#ctx0" brushRef="#br0">45 1,'2'37,"1"1,1-1,1 0,1 0,14 51,-11-52,-1 1,-1 0,-1 0,-1 1,1 48,-8 1231,1-1284,-1 0,-8 46,-3 48,0 28,7-101,-2 85,9 752,0-862,1 1,8 49,-5-47,-1 0,1 36,-4 6,13 116,-7-119,-2 2,-3-1,-7 145,3-198,-1-1,-1 0,0 0,0-1,-1 0,-1 0,0 0,-1-1,-14 27,12-25,0 1,1 0,1 1,0 0,1 0,-5 26,10-37,0 0,0 1,1-1,0 1,0-1,0 0,1 1,0-1,3 14,24 88,-7-31,0 69,-9-51,-8-67,-1-2</inkml:trace>
+</inkml:ink>
+</file>
+
 <file path=ppt/notesMasters/notesMaster1.xml><?xml version="1.0" encoding="utf-8"?>
 <p:notesMaster xmlns:a="http://schemas.openxmlformats.org/drawingml/2006/main" xmlns:r="http://schemas.openxmlformats.org/officeDocument/2006/relationships" xmlns:p="http://schemas.openxmlformats.org/presentationml/2006/main">
   <p:cSld>
@@ -1059,7 +1119,7 @@
           <a:p>
             <a:fld id="{896D3B2D-3924-0B48-B558-93C031AA9A06}" type="datetimeFigureOut">
               <a:rPr lang="en-US" smtClean="0"/>
-              <a:t>8/25/2020</a:t>
+              <a:t>8/26/2020</a:t>
             </a:fld>
             <a:endParaRPr lang="en-US"/>
           </a:p>
@@ -1519,7 +1579,7 @@
             <a:fld id="{B61BEF0D-F0BB-DE4B-95CE-6DB70DBA9567}" type="datetimeFigureOut">
               <a:rPr lang="en-US"/>
               <a:pPr/>
-              <a:t>8/25/2020</a:t>
+              <a:t>8/26/2020</a:t>
             </a:fld>
             <a:endParaRPr lang="en-US"/>
           </a:p>
@@ -1803,7 +1863,7 @@
             <a:fld id="{B61BEF0D-F0BB-DE4B-95CE-6DB70DBA9567}" type="datetimeFigureOut">
               <a:rPr lang="en-US"/>
               <a:pPr/>
-              <a:t>8/25/2020</a:t>
+              <a:t>8/26/2020</a:t>
             </a:fld>
             <a:endParaRPr lang="en-US"/>
           </a:p>
@@ -2114,7 +2174,7 @@
             <a:fld id="{B61BEF0D-F0BB-DE4B-95CE-6DB70DBA9567}" type="datetimeFigureOut">
               <a:rPr lang="en-US"/>
               <a:pPr/>
-              <a:t>8/25/2020</a:t>
+              <a:t>8/26/2020</a:t>
             </a:fld>
             <a:endParaRPr lang="en-US"/>
           </a:p>
@@ -2452,7 +2512,7 @@
             <a:fld id="{B61BEF0D-F0BB-DE4B-95CE-6DB70DBA9567}" type="datetimeFigureOut">
               <a:rPr lang="en-US"/>
               <a:pPr/>
-              <a:t>8/25/2020</a:t>
+              <a:t>8/26/2020</a:t>
             </a:fld>
             <a:endParaRPr lang="en-US"/>
           </a:p>
@@ -2763,7 +2823,7 @@
             <a:fld id="{B61BEF0D-F0BB-DE4B-95CE-6DB70DBA9567}" type="datetimeFigureOut">
               <a:rPr lang="en-US"/>
               <a:pPr/>
-              <a:t>8/25/2020</a:t>
+              <a:t>8/26/2020</a:t>
             </a:fld>
             <a:endParaRPr lang="en-US"/>
           </a:p>
@@ -3153,7 +3213,7 @@
             <a:fld id="{B61BEF0D-F0BB-DE4B-95CE-6DB70DBA9567}" type="datetimeFigureOut">
               <a:rPr lang="en-US"/>
               <a:pPr/>
-              <a:t>8/25/2020</a:t>
+              <a:t>8/26/2020</a:t>
             </a:fld>
             <a:endParaRPr lang="en-US"/>
           </a:p>
@@ -3319,7 +3379,7 @@
           <a:p>
             <a:fld id="{55C6B4A9-1611-4792-9094-5F34BCA07E0B}" type="datetimeFigureOut">
               <a:rPr lang="en-US"/>
-              <a:t>8/25/2020</a:t>
+              <a:t>8/26/2020</a:t>
             </a:fld>
             <a:endParaRPr lang="en-US"/>
           </a:p>
@@ -3495,7 +3555,7 @@
             <a:fld id="{B61BEF0D-F0BB-DE4B-95CE-6DB70DBA9567}" type="datetimeFigureOut">
               <a:rPr lang="en-US"/>
               <a:pPr/>
-              <a:t>8/25/2020</a:t>
+              <a:t>8/26/2020</a:t>
             </a:fld>
             <a:endParaRPr lang="en-US"/>
           </a:p>
@@ -3699,7 +3759,7 @@
           <a:p>
             <a:fld id="{C2231AF4-6FC1-4460-BBC9-D7CD0B6E11EF}" type="datetimeFigureOut">
               <a:rPr lang="sv-SE" smtClean="0"/>
-              <a:t>2020-08-25</a:t>
+              <a:t>2020-08-26</a:t>
             </a:fld>
             <a:endParaRPr lang="sv-SE"/>
           </a:p>
@@ -3897,7 +3957,7 @@
           <a:p>
             <a:fld id="{C2231AF4-6FC1-4460-BBC9-D7CD0B6E11EF}" type="datetimeFigureOut">
               <a:rPr lang="sv-SE" smtClean="0"/>
-              <a:t>2020-08-25</a:t>
+              <a:t>2020-08-26</a:t>
             </a:fld>
             <a:endParaRPr lang="sv-SE"/>
           </a:p>
@@ -4172,7 +4232,7 @@
           <a:p>
             <a:fld id="{C2231AF4-6FC1-4460-BBC9-D7CD0B6E11EF}" type="datetimeFigureOut">
               <a:rPr lang="sv-SE" smtClean="0"/>
-              <a:t>2020-08-25</a:t>
+              <a:t>2020-08-26</a:t>
             </a:fld>
             <a:endParaRPr lang="sv-SE"/>
           </a:p>
@@ -4361,7 +4421,7 @@
             <a:fld id="{B61BEF0D-F0BB-DE4B-95CE-6DB70DBA9567}" type="datetimeFigureOut">
               <a:rPr lang="en-US"/>
               <a:pPr/>
-              <a:t>8/25/2020</a:t>
+              <a:t>8/26/2020</a:t>
             </a:fld>
             <a:endParaRPr lang="en-US"/>
           </a:p>
@@ -4610,7 +4670,7 @@
           <a:p>
             <a:fld id="{C2231AF4-6FC1-4460-BBC9-D7CD0B6E11EF}" type="datetimeFigureOut">
               <a:rPr lang="sv-SE" smtClean="0"/>
-              <a:t>2020-08-25</a:t>
+              <a:t>2020-08-26</a:t>
             </a:fld>
             <a:endParaRPr lang="sv-SE"/>
           </a:p>
@@ -5022,7 +5082,7 @@
           <a:p>
             <a:fld id="{C2231AF4-6FC1-4460-BBC9-D7CD0B6E11EF}" type="datetimeFigureOut">
               <a:rPr lang="sv-SE" smtClean="0"/>
-              <a:t>2020-08-25</a:t>
+              <a:t>2020-08-26</a:t>
             </a:fld>
             <a:endParaRPr lang="sv-SE"/>
           </a:p>
@@ -5163,7 +5223,7 @@
           <a:p>
             <a:fld id="{C2231AF4-6FC1-4460-BBC9-D7CD0B6E11EF}" type="datetimeFigureOut">
               <a:rPr lang="sv-SE" smtClean="0"/>
-              <a:t>2020-08-25</a:t>
+              <a:t>2020-08-26</a:t>
             </a:fld>
             <a:endParaRPr lang="sv-SE"/>
           </a:p>
@@ -5276,7 +5336,7 @@
           <a:p>
             <a:fld id="{C2231AF4-6FC1-4460-BBC9-D7CD0B6E11EF}" type="datetimeFigureOut">
               <a:rPr lang="sv-SE" smtClean="0"/>
-              <a:t>2020-08-25</a:t>
+              <a:t>2020-08-26</a:t>
             </a:fld>
             <a:endParaRPr lang="sv-SE"/>
           </a:p>
@@ -5587,7 +5647,7 @@
           <a:p>
             <a:fld id="{C2231AF4-6FC1-4460-BBC9-D7CD0B6E11EF}" type="datetimeFigureOut">
               <a:rPr lang="sv-SE" smtClean="0"/>
-              <a:t>2020-08-25</a:t>
+              <a:t>2020-08-26</a:t>
             </a:fld>
             <a:endParaRPr lang="sv-SE"/>
           </a:p>
@@ -5875,7 +5935,7 @@
           <a:p>
             <a:fld id="{C2231AF4-6FC1-4460-BBC9-D7CD0B6E11EF}" type="datetimeFigureOut">
               <a:rPr lang="sv-SE" smtClean="0"/>
-              <a:t>2020-08-25</a:t>
+              <a:t>2020-08-26</a:t>
             </a:fld>
             <a:endParaRPr lang="sv-SE"/>
           </a:p>
@@ -6073,7 +6133,7 @@
           <a:p>
             <a:fld id="{C2231AF4-6FC1-4460-BBC9-D7CD0B6E11EF}" type="datetimeFigureOut">
               <a:rPr lang="sv-SE" smtClean="0"/>
-              <a:t>2020-08-25</a:t>
+              <a:t>2020-08-26</a:t>
             </a:fld>
             <a:endParaRPr lang="sv-SE"/>
           </a:p>
@@ -6281,7 +6341,7 @@
           <a:p>
             <a:fld id="{C2231AF4-6FC1-4460-BBC9-D7CD0B6E11EF}" type="datetimeFigureOut">
               <a:rPr lang="sv-SE" smtClean="0"/>
-              <a:t>2020-08-25</a:t>
+              <a:t>2020-08-26</a:t>
             </a:fld>
             <a:endParaRPr lang="sv-SE"/>
           </a:p>
@@ -6541,7 +6601,7 @@
             <a:fld id="{B61BEF0D-F0BB-DE4B-95CE-6DB70DBA9567}" type="datetimeFigureOut">
               <a:rPr lang="en-US"/>
               <a:pPr/>
-              <a:t>8/25/2020</a:t>
+              <a:t>8/26/2020</a:t>
             </a:fld>
             <a:endParaRPr lang="en-US"/>
           </a:p>
@@ -6769,7 +6829,7 @@
           <a:p>
             <a:fld id="{EB712588-04B1-427B-82EE-E8DB90309F08}" type="datetimeFigureOut">
               <a:rPr lang="en-US"/>
-              <a:t>8/25/2020</a:t>
+              <a:t>8/26/2020</a:t>
             </a:fld>
             <a:endParaRPr lang="en-US"/>
           </a:p>
@@ -7139,7 +7199,7 @@
             <a:fld id="{B61BEF0D-F0BB-DE4B-95CE-6DB70DBA9567}" type="datetimeFigureOut">
               <a:rPr lang="en-US"/>
               <a:pPr/>
-              <a:t>8/25/2020</a:t>
+              <a:t>8/26/2020</a:t>
             </a:fld>
             <a:endParaRPr lang="en-US"/>
           </a:p>
@@ -7259,7 +7319,7 @@
             <a:fld id="{B61BEF0D-F0BB-DE4B-95CE-6DB70DBA9567}" type="datetimeFigureOut">
               <a:rPr lang="en-US"/>
               <a:pPr/>
-              <a:t>8/25/2020</a:t>
+              <a:t>8/26/2020</a:t>
             </a:fld>
             <a:endParaRPr lang="en-US"/>
           </a:p>
@@ -7351,7 +7411,7 @@
             <a:fld id="{B61BEF0D-F0BB-DE4B-95CE-6DB70DBA9567}" type="datetimeFigureOut">
               <a:rPr lang="en-US"/>
               <a:pPr/>
-              <a:t>8/25/2020</a:t>
+              <a:t>8/26/2020</a:t>
             </a:fld>
             <a:endParaRPr lang="en-US"/>
           </a:p>
@@ -7602,7 +7662,7 @@
           <a:p>
             <a:fld id="{42A54C80-263E-416B-A8E0-580EDEADCBDC}" type="datetimeFigureOut">
               <a:rPr lang="en-US"/>
-              <a:t>8/25/2020</a:t>
+              <a:t>8/26/2020</a:t>
             </a:fld>
             <a:endParaRPr lang="en-US"/>
           </a:p>
@@ -7861,7 +7921,7 @@
             <a:fld id="{B61BEF0D-F0BB-DE4B-95CE-6DB70DBA9567}" type="datetimeFigureOut">
               <a:rPr lang="en-US"/>
               <a:pPr/>
-              <a:t>8/25/2020</a:t>
+              <a:t>8/26/2020</a:t>
             </a:fld>
             <a:endParaRPr lang="en-US"/>
           </a:p>
@@ -8086,7 +8146,7 @@
             <a:fld id="{B61BEF0D-F0BB-DE4B-95CE-6DB70DBA9567}" type="datetimeFigureOut">
               <a:rPr lang="en-US"/>
               <a:pPr/>
-              <a:t>8/25/2020</a:t>
+              <a:t>8/26/2020</a:t>
             </a:fld>
             <a:endParaRPr lang="en-US"/>
           </a:p>
@@ -8793,7 +8853,7 @@
           <a:p>
             <a:fld id="{C2231AF4-6FC1-4460-BBC9-D7CD0B6E11EF}" type="datetimeFigureOut">
               <a:rPr lang="sv-SE" smtClean="0"/>
-              <a:t>2020-08-25</a:t>
+              <a:t>2020-08-26</a:t>
             </a:fld>
             <a:endParaRPr lang="sv-SE"/>
           </a:p>
@@ -9354,8 +9414,28 @@
           <a:lstStyle/>
           <a:p>
             <a:r>
-              <a:rPr lang="sv-SE" dirty="0"/>
-              <a:t>DBCC SHOW_STATISTICS</a:t>
+              <a:rPr lang="sv-SE" dirty="0" err="1"/>
+              <a:t>Yay</a:t>
+            </a:r>
+            <a:r>
+              <a:rPr lang="sv-SE" dirty="0"/>
+              <a:t>, I know </a:t>
+            </a:r>
+            <a:r>
+              <a:rPr lang="sv-SE" dirty="0" err="1"/>
+              <a:t>why</a:t>
+            </a:r>
+            <a:r>
+              <a:rPr lang="sv-SE" dirty="0"/>
+              <a:t> it’s </a:t>
+            </a:r>
+            <a:r>
+              <a:rPr lang="sv-SE" dirty="0" err="1"/>
+              <a:t>slow</a:t>
+            </a:r>
+            <a:r>
+              <a:rPr lang="sv-SE" dirty="0"/>
+              <a:t>!</a:t>
             </a:r>
           </a:p>
         </p:txBody>
@@ -9383,8 +9463,29 @@
           <a:p>
             <a:r>
               <a:rPr lang="sv-SE" dirty="0"/>
-              <a:t>DEMO</a:t>
-            </a:r>
+              <a:t>It’s the </a:t>
+            </a:r>
+            <a:r>
+              <a:rPr lang="sv-SE" dirty="0" err="1"/>
+              <a:t>statistics</a:t>
+            </a:r>
+            <a:r>
+              <a:rPr lang="sv-SE" dirty="0"/>
+              <a:t>. </a:t>
+            </a:r>
+            <a:r>
+              <a:rPr lang="sv-SE" dirty="0" err="1"/>
+              <a:t>They’re</a:t>
+            </a:r>
+            <a:r>
+              <a:rPr lang="sv-SE" dirty="0"/>
+              <a:t> </a:t>
+            </a:r>
+            <a:r>
+              <a:rPr lang="sv-SE" dirty="0" err="1"/>
+              <a:t>lying</a:t>
+            </a:r>
+            <a:endParaRPr lang="sv-SE" dirty="0"/>
           </a:p>
         </p:txBody>
       </p:sp>
@@ -9402,6 +9503,347 @@
 </file>
 
 <file path=ppt/slides/slide11.xml><?xml version="1.0" encoding="utf-8"?>
+<p:sld xmlns:a="http://schemas.openxmlformats.org/drawingml/2006/main" xmlns:r="http://schemas.openxmlformats.org/officeDocument/2006/relationships" xmlns:p="http://schemas.openxmlformats.org/presentationml/2006/main">
+  <p:cSld>
+    <p:spTree>
+      <p:nvGrpSpPr>
+        <p:cNvPr id="1" name=""/>
+        <p:cNvGrpSpPr/>
+        <p:nvPr/>
+      </p:nvGrpSpPr>
+      <p:grpSpPr>
+        <a:xfrm>
+          <a:off x="0" y="0"/>
+          <a:ext cx="0" cy="0"/>
+          <a:chOff x="0" y="0"/>
+          <a:chExt cx="0" cy="0"/>
+        </a:xfrm>
+      </p:grpSpPr>
+      <p:sp>
+        <p:nvSpPr>
+          <p:cNvPr id="2" name="Rubrik 1">
+            <a:extLst>
+              <a:ext uri="{FF2B5EF4-FFF2-40B4-BE49-F238E27FC236}">
+                <a16:creationId xmlns:a16="http://schemas.microsoft.com/office/drawing/2014/main" id="{B0005C4E-2082-4627-AEE1-E8B83359DBCC}"/>
+              </a:ext>
+            </a:extLst>
+          </p:cNvPr>
+          <p:cNvSpPr>
+            <a:spLocks noGrp="1"/>
+          </p:cNvSpPr>
+          <p:nvPr>
+            <p:ph type="title"/>
+          </p:nvPr>
+        </p:nvSpPr>
+        <p:spPr/>
+        <p:txBody>
+          <a:bodyPr/>
+          <a:lstStyle/>
+          <a:p>
+            <a:r>
+              <a:rPr lang="sv-SE" dirty="0" err="1"/>
+              <a:t>Statistics</a:t>
+            </a:r>
+            <a:r>
+              <a:rPr lang="sv-SE" dirty="0"/>
+              <a:t> (or lies) in SQL Server</a:t>
+            </a:r>
+          </a:p>
+        </p:txBody>
+      </p:sp>
+      <p:sp>
+        <p:nvSpPr>
+          <p:cNvPr id="3" name="Platshållare för innehåll 2">
+            <a:extLst>
+              <a:ext uri="{FF2B5EF4-FFF2-40B4-BE49-F238E27FC236}">
+                <a16:creationId xmlns:a16="http://schemas.microsoft.com/office/drawing/2014/main" id="{1BD42598-2675-4FF8-94CD-BA78F773C4BC}"/>
+              </a:ext>
+            </a:extLst>
+          </p:cNvPr>
+          <p:cNvSpPr>
+            <a:spLocks noGrp="1"/>
+          </p:cNvSpPr>
+          <p:nvPr>
+            <p:ph idx="1"/>
+          </p:nvPr>
+        </p:nvSpPr>
+        <p:spPr/>
+        <p:txBody>
+          <a:bodyPr/>
+          <a:lstStyle/>
+          <a:p>
+            <a:r>
+              <a:rPr lang="sv-SE" dirty="0"/>
+              <a:t>Distribution </a:t>
+            </a:r>
+            <a:r>
+              <a:rPr lang="sv-SE" dirty="0" err="1"/>
+              <a:t>of</a:t>
+            </a:r>
+            <a:r>
+              <a:rPr lang="sv-SE" dirty="0"/>
+              <a:t> </a:t>
+            </a:r>
+            <a:r>
+              <a:rPr lang="sv-SE" dirty="0" err="1"/>
+              <a:t>values</a:t>
+            </a:r>
+            <a:r>
+              <a:rPr lang="sv-SE" dirty="0"/>
+              <a:t> </a:t>
+            </a:r>
+            <a:r>
+              <a:rPr lang="sv-SE" dirty="0" err="1"/>
+              <a:t>within</a:t>
+            </a:r>
+            <a:r>
+              <a:rPr lang="sv-SE" dirty="0"/>
+              <a:t> an index or </a:t>
+            </a:r>
+            <a:r>
+              <a:rPr lang="sv-SE" dirty="0" err="1"/>
+              <a:t>statistics</a:t>
+            </a:r>
+            <a:r>
+              <a:rPr lang="sv-SE" dirty="0"/>
+              <a:t> </a:t>
+            </a:r>
+            <a:r>
+              <a:rPr lang="sv-SE" dirty="0" err="1"/>
+              <a:t>object</a:t>
+            </a:r>
+            <a:endParaRPr lang="sv-SE" dirty="0"/>
+          </a:p>
+          <a:p>
+            <a:r>
+              <a:rPr lang="sv-SE" dirty="0"/>
+              <a:t>Histogram or </a:t>
+            </a:r>
+            <a:r>
+              <a:rPr lang="sv-SE" dirty="0" err="1"/>
+              <a:t>Density</a:t>
+            </a:r>
+            <a:r>
+              <a:rPr lang="sv-SE" dirty="0"/>
+              <a:t> </a:t>
+            </a:r>
+            <a:r>
+              <a:rPr lang="sv-SE" dirty="0" err="1"/>
+              <a:t>vector</a:t>
+            </a:r>
+            <a:endParaRPr lang="sv-SE" dirty="0"/>
+          </a:p>
+          <a:p>
+            <a:pPr marL="0" indent="0">
+              <a:buNone/>
+            </a:pPr>
+            <a:endParaRPr lang="sv-SE" dirty="0"/>
+          </a:p>
+          <a:p>
+            <a:pPr marL="0" indent="0">
+              <a:buNone/>
+            </a:pPr>
+            <a:r>
+              <a:rPr lang="sv-SE" dirty="0"/>
+              <a:t>DEMO</a:t>
+            </a:r>
+          </a:p>
+        </p:txBody>
+      </p:sp>
+    </p:spTree>
+    <p:extLst>
+      <p:ext uri="{BB962C8B-B14F-4D97-AF65-F5344CB8AC3E}">
+        <p14:creationId xmlns:p14="http://schemas.microsoft.com/office/powerpoint/2010/main" val="3480453650"/>
+      </p:ext>
+    </p:extLst>
+  </p:cSld>
+  <p:clrMapOvr>
+    <a:masterClrMapping/>
+  </p:clrMapOvr>
+  <p:timing>
+    <p:tnLst>
+      <p:par>
+        <p:cTn id="1" dur="indefinite" restart="never" nodeType="tmRoot">
+          <p:childTnLst>
+            <p:seq concurrent="1" nextAc="seek">
+              <p:cTn id="2" dur="indefinite" nodeType="mainSeq">
+                <p:childTnLst>
+                  <p:par>
+                    <p:cTn id="3" fill="hold">
+                      <p:stCondLst>
+                        <p:cond delay="indefinite"/>
+                      </p:stCondLst>
+                      <p:childTnLst>
+                        <p:par>
+                          <p:cTn id="4" fill="hold">
+                            <p:stCondLst>
+                              <p:cond delay="0"/>
+                            </p:stCondLst>
+                            <p:childTnLst>
+                              <p:par>
+                                <p:cTn id="5" presetID="1" presetClass="entr" presetSubtype="0" fill="hold" grpId="0" nodeType="clickEffect">
+                                  <p:stCondLst>
+                                    <p:cond delay="0"/>
+                                  </p:stCondLst>
+                                  <p:childTnLst>
+                                    <p:set>
+                                      <p:cBhvr>
+                                        <p:cTn id="6" dur="1" fill="hold">
+                                          <p:stCondLst>
+                                            <p:cond delay="0"/>
+                                          </p:stCondLst>
+                                        </p:cTn>
+                                        <p:tgtEl>
+                                          <p:spTgt spid="3">
+                                            <p:txEl>
+                                              <p:pRg st="0" end="0"/>
+                                            </p:txEl>
+                                          </p:spTgt>
+                                        </p:tgtEl>
+                                        <p:attrNameLst>
+                                          <p:attrName>style.visibility</p:attrName>
+                                        </p:attrNameLst>
+                                      </p:cBhvr>
+                                      <p:to>
+                                        <p:strVal val="visible"/>
+                                      </p:to>
+                                    </p:set>
+                                  </p:childTnLst>
+                                </p:cTn>
+                              </p:par>
+                            </p:childTnLst>
+                          </p:cTn>
+                        </p:par>
+                      </p:childTnLst>
+                    </p:cTn>
+                  </p:par>
+                  <p:par>
+                    <p:cTn id="7" fill="hold">
+                      <p:stCondLst>
+                        <p:cond delay="indefinite"/>
+                      </p:stCondLst>
+                      <p:childTnLst>
+                        <p:par>
+                          <p:cTn id="8" fill="hold">
+                            <p:stCondLst>
+                              <p:cond delay="0"/>
+                            </p:stCondLst>
+                            <p:childTnLst>
+                              <p:par>
+                                <p:cTn id="9" presetID="1" presetClass="entr" presetSubtype="0" fill="hold" grpId="0" nodeType="clickEffect">
+                                  <p:stCondLst>
+                                    <p:cond delay="0"/>
+                                  </p:stCondLst>
+                                  <p:childTnLst>
+                                    <p:set>
+                                      <p:cBhvr>
+                                        <p:cTn id="10" dur="1" fill="hold">
+                                          <p:stCondLst>
+                                            <p:cond delay="0"/>
+                                          </p:stCondLst>
+                                        </p:cTn>
+                                        <p:tgtEl>
+                                          <p:spTgt spid="3">
+                                            <p:txEl>
+                                              <p:pRg st="1" end="1"/>
+                                            </p:txEl>
+                                          </p:spTgt>
+                                        </p:tgtEl>
+                                        <p:attrNameLst>
+                                          <p:attrName>style.visibility</p:attrName>
+                                        </p:attrNameLst>
+                                      </p:cBhvr>
+                                      <p:to>
+                                        <p:strVal val="visible"/>
+                                      </p:to>
+                                    </p:set>
+                                  </p:childTnLst>
+                                </p:cTn>
+                              </p:par>
+                            </p:childTnLst>
+                          </p:cTn>
+                        </p:par>
+                      </p:childTnLst>
+                    </p:cTn>
+                  </p:par>
+                  <p:par>
+                    <p:cTn id="11" fill="hold">
+                      <p:stCondLst>
+                        <p:cond delay="indefinite"/>
+                      </p:stCondLst>
+                      <p:childTnLst>
+                        <p:par>
+                          <p:cTn id="12" fill="hold">
+                            <p:stCondLst>
+                              <p:cond delay="0"/>
+                            </p:stCondLst>
+                            <p:childTnLst>
+                              <p:par>
+                                <p:cTn id="13" presetID="1" presetClass="entr" presetSubtype="0" fill="hold" grpId="0" nodeType="clickEffect">
+                                  <p:stCondLst>
+                                    <p:cond delay="0"/>
+                                  </p:stCondLst>
+                                  <p:childTnLst>
+                                    <p:set>
+                                      <p:cBhvr>
+                                        <p:cTn id="14" dur="1" fill="hold">
+                                          <p:stCondLst>
+                                            <p:cond delay="0"/>
+                                          </p:stCondLst>
+                                        </p:cTn>
+                                        <p:tgtEl>
+                                          <p:spTgt spid="3">
+                                            <p:txEl>
+                                              <p:pRg st="3" end="3"/>
+                                            </p:txEl>
+                                          </p:spTgt>
+                                        </p:tgtEl>
+                                        <p:attrNameLst>
+                                          <p:attrName>style.visibility</p:attrName>
+                                        </p:attrNameLst>
+                                      </p:cBhvr>
+                                      <p:to>
+                                        <p:strVal val="visible"/>
+                                      </p:to>
+                                    </p:set>
+                                  </p:childTnLst>
+                                </p:cTn>
+                              </p:par>
+                            </p:childTnLst>
+                          </p:cTn>
+                        </p:par>
+                      </p:childTnLst>
+                    </p:cTn>
+                  </p:par>
+                </p:childTnLst>
+              </p:cTn>
+              <p:prevCondLst>
+                <p:cond evt="onPrev" delay="0">
+                  <p:tgtEl>
+                    <p:sldTgt/>
+                  </p:tgtEl>
+                </p:cond>
+              </p:prevCondLst>
+              <p:nextCondLst>
+                <p:cond evt="onNext" delay="0">
+                  <p:tgtEl>
+                    <p:sldTgt/>
+                  </p:tgtEl>
+                </p:cond>
+              </p:nextCondLst>
+            </p:seq>
+          </p:childTnLst>
+        </p:cTn>
+      </p:par>
+    </p:tnLst>
+    <p:bldLst>
+      <p:bldP spid="3" grpId="0" build="p"/>
+    </p:bldLst>
+  </p:timing>
+</p:sld>
+</file>
+
+<file path=ppt/slides/slide12.xml><?xml version="1.0" encoding="utf-8"?>
 <p:sld xmlns:a="http://schemas.openxmlformats.org/drawingml/2006/main" xmlns:r="http://schemas.openxmlformats.org/officeDocument/2006/relationships" xmlns:p="http://schemas.openxmlformats.org/presentationml/2006/main">
   <p:cSld>
     <p:spTree>
@@ -9952,250 +10394,6 @@
 </p:sld>
 </file>
 
-<file path=ppt/slides/slide12.xml><?xml version="1.0" encoding="utf-8"?>
-<p:sld xmlns:a="http://schemas.openxmlformats.org/drawingml/2006/main" xmlns:r="http://schemas.openxmlformats.org/officeDocument/2006/relationships" xmlns:p="http://schemas.openxmlformats.org/presentationml/2006/main">
-  <p:cSld>
-    <p:spTree>
-      <p:nvGrpSpPr>
-        <p:cNvPr id="1" name=""/>
-        <p:cNvGrpSpPr/>
-        <p:nvPr/>
-      </p:nvGrpSpPr>
-      <p:grpSpPr>
-        <a:xfrm>
-          <a:off x="0" y="0"/>
-          <a:ext cx="0" cy="0"/>
-          <a:chOff x="0" y="0"/>
-          <a:chExt cx="0" cy="0"/>
-        </a:xfrm>
-      </p:grpSpPr>
-      <p:sp>
-        <p:nvSpPr>
-          <p:cNvPr id="2" name="Rubrik 1">
-            <a:extLst>
-              <a:ext uri="{FF2B5EF4-FFF2-40B4-BE49-F238E27FC236}">
-                <a16:creationId xmlns:a16="http://schemas.microsoft.com/office/drawing/2014/main" id="{C19E3114-3B34-4DC6-9954-7932D53A5647}"/>
-              </a:ext>
-            </a:extLst>
-          </p:cNvPr>
-          <p:cNvSpPr>
-            <a:spLocks noGrp="1"/>
-          </p:cNvSpPr>
-          <p:nvPr>
-            <p:ph type="title"/>
-          </p:nvPr>
-        </p:nvSpPr>
-        <p:spPr/>
-        <p:txBody>
-          <a:bodyPr/>
-          <a:lstStyle/>
-          <a:p>
-            <a:r>
-              <a:rPr lang="sv-SE" dirty="0" err="1"/>
-              <a:t>Density</a:t>
-            </a:r>
-            <a:r>
-              <a:rPr lang="sv-SE" dirty="0"/>
-              <a:t> </a:t>
-            </a:r>
-            <a:r>
-              <a:rPr lang="sv-SE" dirty="0" err="1"/>
-              <a:t>vector</a:t>
-            </a:r>
-            <a:endParaRPr lang="sv-SE" dirty="0"/>
-          </a:p>
-        </p:txBody>
-      </p:sp>
-      <p:sp>
-        <p:nvSpPr>
-          <p:cNvPr id="3" name="Platshållare för innehåll 2">
-            <a:extLst>
-              <a:ext uri="{FF2B5EF4-FFF2-40B4-BE49-F238E27FC236}">
-                <a16:creationId xmlns:a16="http://schemas.microsoft.com/office/drawing/2014/main" id="{85E5DAEB-E3E2-4AE6-A57C-F36BCBFB4B31}"/>
-              </a:ext>
-            </a:extLst>
-          </p:cNvPr>
-          <p:cNvSpPr>
-            <a:spLocks noGrp="1"/>
-          </p:cNvSpPr>
-          <p:nvPr>
-            <p:ph idx="1"/>
-          </p:nvPr>
-        </p:nvSpPr>
-        <p:spPr/>
-        <p:txBody>
-          <a:bodyPr/>
-          <a:lstStyle/>
-          <a:p>
-            <a:r>
-              <a:rPr lang="sv-SE" dirty="0" err="1"/>
-              <a:t>Density</a:t>
-            </a:r>
-            <a:r>
-              <a:rPr lang="sv-SE" dirty="0"/>
-              <a:t> </a:t>
-            </a:r>
-            <a:r>
-              <a:rPr lang="sv-SE" dirty="0" err="1"/>
-              <a:t>of</a:t>
-            </a:r>
-            <a:r>
-              <a:rPr lang="sv-SE" dirty="0"/>
-              <a:t> leading </a:t>
-            </a:r>
-            <a:r>
-              <a:rPr lang="sv-SE" dirty="0" err="1"/>
-              <a:t>column</a:t>
-            </a:r>
-            <a:r>
-              <a:rPr lang="sv-SE" dirty="0"/>
-              <a:t>, </a:t>
-            </a:r>
-            <a:r>
-              <a:rPr lang="sv-SE" dirty="0" err="1"/>
-              <a:t>then</a:t>
-            </a:r>
-            <a:r>
-              <a:rPr lang="sv-SE" dirty="0"/>
-              <a:t> </a:t>
-            </a:r>
-            <a:r>
-              <a:rPr lang="sv-SE" dirty="0" err="1"/>
-              <a:t>two</a:t>
-            </a:r>
-            <a:r>
-              <a:rPr lang="sv-SE" dirty="0"/>
-              <a:t> leading </a:t>
-            </a:r>
-            <a:r>
-              <a:rPr lang="sv-SE" dirty="0" err="1"/>
-              <a:t>columns</a:t>
-            </a:r>
-            <a:r>
-              <a:rPr lang="sv-SE" dirty="0"/>
-              <a:t> in combination, </a:t>
-            </a:r>
-            <a:r>
-              <a:rPr lang="sv-SE" dirty="0" err="1"/>
-              <a:t>then</a:t>
-            </a:r>
-            <a:r>
-              <a:rPr lang="sv-SE" dirty="0"/>
-              <a:t> </a:t>
-            </a:r>
-            <a:r>
-              <a:rPr lang="sv-SE" dirty="0" err="1"/>
-              <a:t>three</a:t>
-            </a:r>
-            <a:r>
-              <a:rPr lang="sv-SE" dirty="0"/>
-              <a:t> leading </a:t>
-            </a:r>
-            <a:r>
-              <a:rPr lang="sv-SE" dirty="0" err="1"/>
-              <a:t>columns</a:t>
-            </a:r>
-            <a:r>
-              <a:rPr lang="sv-SE" dirty="0"/>
-              <a:t>…</a:t>
-            </a:r>
-          </a:p>
-          <a:p>
-            <a:r>
-              <a:rPr lang="sv-SE" dirty="0" err="1"/>
-              <a:t>Density</a:t>
-            </a:r>
-            <a:r>
-              <a:rPr lang="sv-SE" dirty="0"/>
-              <a:t> = 1 / </a:t>
-            </a:r>
-            <a:r>
-              <a:rPr lang="sv-SE" dirty="0" err="1"/>
-              <a:t>NoDistinctValues</a:t>
-            </a:r>
-            <a:endParaRPr lang="sv-SE" dirty="0"/>
-          </a:p>
-          <a:p>
-            <a:r>
-              <a:rPr lang="sv-SE" dirty="0"/>
-              <a:t>Gender = </a:t>
-            </a:r>
-            <a:r>
-              <a:rPr lang="sv-SE" dirty="0" err="1"/>
-              <a:t>High</a:t>
-            </a:r>
-            <a:r>
-              <a:rPr lang="sv-SE" dirty="0"/>
-              <a:t> </a:t>
-            </a:r>
-            <a:r>
-              <a:rPr lang="sv-SE" dirty="0" err="1"/>
-              <a:t>density</a:t>
-            </a:r>
-            <a:r>
-              <a:rPr lang="sv-SE" dirty="0"/>
-              <a:t>, SSN = </a:t>
-            </a:r>
-            <a:r>
-              <a:rPr lang="sv-SE" dirty="0" err="1"/>
-              <a:t>Low</a:t>
-            </a:r>
-            <a:r>
-              <a:rPr lang="sv-SE" dirty="0"/>
-              <a:t> </a:t>
-            </a:r>
-            <a:r>
-              <a:rPr lang="sv-SE" dirty="0" err="1"/>
-              <a:t>density</a:t>
-            </a:r>
-            <a:endParaRPr lang="sv-SE" dirty="0"/>
-          </a:p>
-          <a:p>
-            <a:r>
-              <a:rPr lang="sv-SE" dirty="0" err="1"/>
-              <a:t>Low</a:t>
-            </a:r>
-            <a:r>
-              <a:rPr lang="sv-SE" dirty="0"/>
-              <a:t> </a:t>
-            </a:r>
-            <a:r>
-              <a:rPr lang="sv-SE" dirty="0" err="1"/>
-              <a:t>Selectivity</a:t>
-            </a:r>
-            <a:r>
-              <a:rPr lang="sv-SE" dirty="0"/>
-              <a:t> = </a:t>
-            </a:r>
-            <a:r>
-              <a:rPr lang="sv-SE" dirty="0" err="1"/>
-              <a:t>High</a:t>
-            </a:r>
-            <a:r>
-              <a:rPr lang="sv-SE" dirty="0"/>
-              <a:t> </a:t>
-            </a:r>
-            <a:r>
-              <a:rPr lang="sv-SE" dirty="0" err="1"/>
-              <a:t>Density</a:t>
-            </a:r>
-            <a:endParaRPr lang="sv-SE" dirty="0"/>
-          </a:p>
-        </p:txBody>
-      </p:sp>
-    </p:spTree>
-    <p:extLst>
-      <p:ext uri="{BB962C8B-B14F-4D97-AF65-F5344CB8AC3E}">
-        <p14:creationId xmlns:p14="http://schemas.microsoft.com/office/powerpoint/2010/main" val="1430289838"/>
-      </p:ext>
-    </p:extLst>
-  </p:cSld>
-  <p:clrMapOvr>
-    <a:masterClrMapping/>
-  </p:clrMapOvr>
-</p:sld>
-</file>
-
 <file path=ppt/slides/slide13.xml><?xml version="1.0" encoding="utf-8"?>
 <p:sld xmlns:a="http://schemas.openxmlformats.org/drawingml/2006/main" xmlns:r="http://schemas.openxmlformats.org/officeDocument/2006/relationships" xmlns:p="http://schemas.openxmlformats.org/presentationml/2006/main">
   <p:cSld>
@@ -10218,7 +10416,7 @@
           <p:cNvPr id="2" name="Rubrik 1">
             <a:extLst>
               <a:ext uri="{FF2B5EF4-FFF2-40B4-BE49-F238E27FC236}">
-                <a16:creationId xmlns:a16="http://schemas.microsoft.com/office/drawing/2014/main" id="{AC3DAFDA-ACA1-4122-A7FA-128BCECE6D8D}"/>
+                <a16:creationId xmlns:a16="http://schemas.microsoft.com/office/drawing/2014/main" id="{C19E3114-3B34-4DC6-9954-7932D53A5647}"/>
               </a:ext>
             </a:extLst>
           </p:cNvPr>
@@ -10236,7 +10434,7 @@
           <a:p>
             <a:r>
               <a:rPr lang="sv-SE" dirty="0" err="1"/>
-              <a:t>Estimated</a:t>
+              <a:t>Statistics</a:t>
             </a:r>
             <a:r>
               <a:rPr lang="sv-SE" dirty="0"/>
@@ -10244,7 +10442,7 @@
             </a:r>
             <a:r>
               <a:rPr lang="sv-SE" dirty="0" err="1"/>
-              <a:t>number</a:t>
+              <a:t>density</a:t>
             </a:r>
             <a:r>
               <a:rPr lang="sv-SE" dirty="0"/>
@@ -10252,15 +10450,7 @@
             </a:r>
             <a:r>
               <a:rPr lang="sv-SE" dirty="0" err="1"/>
-              <a:t>of</a:t>
-            </a:r>
-            <a:r>
-              <a:rPr lang="sv-SE" dirty="0"/>
-              <a:t> </a:t>
-            </a:r>
-            <a:r>
-              <a:rPr lang="sv-SE" dirty="0" err="1"/>
-              <a:t>rows</a:t>
+              <a:t>vector</a:t>
             </a:r>
             <a:endParaRPr lang="sv-SE" dirty="0"/>
           </a:p>
@@ -10271,7 +10461,7 @@
           <p:cNvPr id="3" name="Platshållare för innehåll 2">
             <a:extLst>
               <a:ext uri="{FF2B5EF4-FFF2-40B4-BE49-F238E27FC236}">
-                <a16:creationId xmlns:a16="http://schemas.microsoft.com/office/drawing/2014/main" id="{331495DE-1640-4404-AC8F-7555B8020919}"/>
+                <a16:creationId xmlns:a16="http://schemas.microsoft.com/office/drawing/2014/main" id="{85E5DAEB-E3E2-4AE6-A57C-F36BCBFB4B31}"/>
               </a:ext>
             </a:extLst>
           </p:cNvPr>
@@ -10284,43 +10474,12 @@
         </p:nvSpPr>
         <p:spPr/>
         <p:txBody>
-          <a:bodyPr>
-            <a:normAutofit fontScale="92500" lnSpcReduction="10000"/>
-          </a:bodyPr>
-          <a:lstStyle/>
-          <a:p>
-            <a:pPr marL="0" indent="0">
-              <a:buNone/>
-            </a:pPr>
-            <a:r>
-              <a:rPr lang="sv-SE" b="1" dirty="0"/>
-              <a:t>With histogram</a:t>
-            </a:r>
-          </a:p>
-          <a:p>
-            <a:pPr lvl="1"/>
-            <a:r>
-              <a:rPr lang="sv-SE" dirty="0" err="1"/>
-              <a:t>OrderDate</a:t>
-            </a:r>
-            <a:r>
-              <a:rPr lang="sv-SE" dirty="0"/>
-              <a:t> = 2016-08-24: 99988</a:t>
-            </a:r>
-          </a:p>
-          <a:p>
-            <a:pPr lvl="1"/>
-            <a:r>
-              <a:rPr lang="sv-SE" dirty="0" err="1"/>
-              <a:t>OrderDate</a:t>
-            </a:r>
-            <a:r>
-              <a:rPr lang="sv-SE" dirty="0"/>
-              <a:t> = 2016-08-25: 0 (</a:t>
-            </a:r>
-            <a:r>
-              <a:rPr lang="sv-SE" dirty="0" err="1"/>
-              <a:t>Optimizer</a:t>
+          <a:bodyPr/>
+          <a:lstStyle/>
+          <a:p>
+            <a:r>
+              <a:rPr lang="sv-SE" dirty="0" err="1"/>
+              <a:t>Density</a:t>
             </a:r>
             <a:r>
               <a:rPr lang="sv-SE" dirty="0"/>
@@ -10328,7 +10487,23 @@
             </a:r>
             <a:r>
               <a:rPr lang="sv-SE" dirty="0" err="1"/>
-              <a:t>will</a:t>
+              <a:t>of</a:t>
+            </a:r>
+            <a:r>
+              <a:rPr lang="sv-SE" dirty="0"/>
+              <a:t> leading </a:t>
+            </a:r>
+            <a:r>
+              <a:rPr lang="sv-SE" dirty="0" err="1"/>
+              <a:t>column</a:t>
+            </a:r>
+            <a:r>
+              <a:rPr lang="sv-SE" dirty="0"/>
+              <a:t>, </a:t>
+            </a:r>
+            <a:r>
+              <a:rPr lang="sv-SE" dirty="0" err="1"/>
+              <a:t>then</a:t>
             </a:r>
             <a:r>
               <a:rPr lang="sv-SE" dirty="0"/>
@@ -10336,220 +10511,132 @@
             </a:r>
             <a:r>
               <a:rPr lang="sv-SE" dirty="0" err="1"/>
-              <a:t>estimate</a:t>
-            </a:r>
-            <a:r>
-              <a:rPr lang="sv-SE" dirty="0"/>
-              <a:t> 1)</a:t>
-            </a:r>
-          </a:p>
-          <a:p>
-            <a:pPr marL="0" indent="0">
-              <a:buNone/>
-            </a:pPr>
+              <a:t>two</a:t>
+            </a:r>
+            <a:r>
+              <a:rPr lang="sv-SE" dirty="0"/>
+              <a:t> leading </a:t>
+            </a:r>
+            <a:r>
+              <a:rPr lang="sv-SE" dirty="0" err="1"/>
+              <a:t>columns</a:t>
+            </a:r>
+            <a:r>
+              <a:rPr lang="sv-SE" dirty="0"/>
+              <a:t> in combination, </a:t>
+            </a:r>
+            <a:r>
+              <a:rPr lang="sv-SE" dirty="0" err="1"/>
+              <a:t>then</a:t>
+            </a:r>
+            <a:r>
+              <a:rPr lang="sv-SE" dirty="0"/>
+              <a:t> </a:t>
+            </a:r>
+            <a:r>
+              <a:rPr lang="sv-SE" dirty="0" err="1"/>
+              <a:t>three</a:t>
+            </a:r>
+            <a:r>
+              <a:rPr lang="sv-SE" dirty="0"/>
+              <a:t> leading </a:t>
+            </a:r>
+            <a:r>
+              <a:rPr lang="sv-SE" dirty="0" err="1"/>
+              <a:t>columns</a:t>
+            </a:r>
+            <a:r>
+              <a:rPr lang="sv-SE" dirty="0"/>
+              <a:t>…</a:t>
+            </a:r>
+          </a:p>
+          <a:p>
+            <a:r>
+              <a:rPr lang="sv-SE" dirty="0" err="1"/>
+              <a:t>Density</a:t>
+            </a:r>
+            <a:r>
+              <a:rPr lang="sv-SE" dirty="0"/>
+              <a:t> = 1 / </a:t>
+            </a:r>
+            <a:r>
+              <a:rPr lang="sv-SE" dirty="0" err="1"/>
+              <a:t>NoDistinctValues</a:t>
+            </a:r>
             <a:endParaRPr lang="sv-SE" dirty="0"/>
           </a:p>
           <a:p>
-            <a:pPr marL="0" indent="0">
-              <a:buNone/>
-            </a:pPr>
-            <a:r>
-              <a:rPr lang="sv-SE" b="1" dirty="0"/>
-              <a:t>With </a:t>
-            </a:r>
-            <a:r>
-              <a:rPr lang="sv-SE" b="1" dirty="0" err="1"/>
+            <a:r>
+              <a:rPr lang="sv-SE" dirty="0"/>
+              <a:t>Gender = </a:t>
+            </a:r>
+            <a:r>
+              <a:rPr lang="sv-SE" dirty="0" err="1"/>
+              <a:t>High</a:t>
+            </a:r>
+            <a:r>
+              <a:rPr lang="sv-SE" dirty="0"/>
+              <a:t> </a:t>
+            </a:r>
+            <a:r>
+              <a:rPr lang="sv-SE" dirty="0" err="1"/>
+              <a:t>density</a:t>
+            </a:r>
+            <a:r>
+              <a:rPr lang="sv-SE" dirty="0"/>
+              <a:t>, SSN = </a:t>
+            </a:r>
+            <a:r>
+              <a:rPr lang="sv-SE" dirty="0" err="1"/>
+              <a:t>Low</a:t>
+            </a:r>
+            <a:r>
+              <a:rPr lang="sv-SE" dirty="0"/>
+              <a:t> </a:t>
+            </a:r>
+            <a:r>
+              <a:rPr lang="sv-SE" dirty="0" err="1"/>
+              <a:t>density</a:t>
+            </a:r>
+            <a:endParaRPr lang="sv-SE" dirty="0"/>
+          </a:p>
+          <a:p>
+            <a:r>
+              <a:rPr lang="sv-SE" dirty="0" err="1"/>
+              <a:t>Low</a:t>
+            </a:r>
+            <a:r>
+              <a:rPr lang="sv-SE" dirty="0"/>
+              <a:t> </a:t>
+            </a:r>
+            <a:r>
+              <a:rPr lang="sv-SE" dirty="0" err="1"/>
+              <a:t>Selectivity</a:t>
+            </a:r>
+            <a:r>
+              <a:rPr lang="sv-SE" dirty="0"/>
+              <a:t> = </a:t>
+            </a:r>
+            <a:r>
+              <a:rPr lang="sv-SE" dirty="0" err="1"/>
+              <a:t>High</a:t>
+            </a:r>
+            <a:r>
+              <a:rPr lang="sv-SE" dirty="0"/>
+              <a:t> </a:t>
+            </a:r>
+            <a:r>
+              <a:rPr lang="sv-SE" dirty="0" err="1"/>
               <a:t>Density</a:t>
             </a:r>
-            <a:r>
-              <a:rPr lang="sv-SE" b="1" dirty="0"/>
-              <a:t> </a:t>
-            </a:r>
-            <a:r>
-              <a:rPr lang="sv-SE" b="1" dirty="0" err="1"/>
-              <a:t>Vector</a:t>
-            </a:r>
-            <a:endParaRPr lang="sv-SE" b="1" dirty="0"/>
-          </a:p>
-          <a:p>
-            <a:r>
-              <a:rPr lang="sv-SE" dirty="0"/>
-              <a:t>D = </a:t>
-            </a:r>
-            <a:r>
-              <a:rPr lang="sv-SE" dirty="0" err="1"/>
-              <a:t>Density</a:t>
-            </a:r>
-            <a:r>
-              <a:rPr lang="sv-SE" dirty="0"/>
-              <a:t> for </a:t>
-            </a:r>
-            <a:r>
-              <a:rPr lang="sv-SE" dirty="0" err="1"/>
-              <a:t>column</a:t>
-            </a:r>
-            <a:r>
-              <a:rPr lang="sv-SE" dirty="0"/>
-              <a:t>(s) </a:t>
-            </a:r>
-            <a:r>
-              <a:rPr lang="sv-SE" dirty="0" err="1"/>
-              <a:t>involved</a:t>
-            </a:r>
-            <a:r>
-              <a:rPr lang="sv-SE" dirty="0"/>
-              <a:t> in </a:t>
-            </a:r>
-            <a:r>
-              <a:rPr lang="sv-SE" dirty="0" err="1"/>
-              <a:t>equality</a:t>
-            </a:r>
-            <a:r>
-              <a:rPr lang="sv-SE" dirty="0"/>
-              <a:t> </a:t>
-            </a:r>
-            <a:r>
-              <a:rPr lang="sv-SE" dirty="0" err="1"/>
-              <a:t>predicate</a:t>
-            </a:r>
-            <a:r>
-              <a:rPr lang="sv-SE" dirty="0"/>
-              <a:t>. </a:t>
-            </a:r>
-          </a:p>
-          <a:p>
-            <a:pPr lvl="1"/>
-            <a:r>
-              <a:rPr lang="sv-SE" dirty="0" err="1"/>
-              <a:t>Example</a:t>
-            </a:r>
-            <a:r>
-              <a:rPr lang="sv-SE" dirty="0"/>
-              <a:t>: </a:t>
-            </a:r>
-            <a:r>
-              <a:rPr lang="sv-SE" dirty="0" err="1"/>
-              <a:t>OrderDate</a:t>
-            </a:r>
-            <a:r>
-              <a:rPr lang="sv-SE" dirty="0"/>
-              <a:t> = 2020-08-25. </a:t>
-            </a:r>
-            <a:r>
-              <a:rPr lang="sv-SE" dirty="0" err="1"/>
-              <a:t>Density</a:t>
-            </a:r>
-            <a:r>
-              <a:rPr lang="sv-SE" dirty="0"/>
-              <a:t> for </a:t>
-            </a:r>
-            <a:r>
-              <a:rPr lang="sv-SE" dirty="0" err="1"/>
-              <a:t>OrderDate</a:t>
-            </a:r>
-            <a:r>
-              <a:rPr lang="sv-SE" dirty="0"/>
-              <a:t> = 0,02</a:t>
-            </a:r>
-          </a:p>
-          <a:p>
-            <a:r>
-              <a:rPr lang="sv-SE" dirty="0"/>
-              <a:t>RC = Total </a:t>
-            </a:r>
-            <a:r>
-              <a:rPr lang="sv-SE" dirty="0" err="1"/>
-              <a:t>number</a:t>
-            </a:r>
-            <a:r>
-              <a:rPr lang="sv-SE" dirty="0"/>
-              <a:t> </a:t>
-            </a:r>
-            <a:r>
-              <a:rPr lang="sv-SE" dirty="0" err="1"/>
-              <a:t>of</a:t>
-            </a:r>
-            <a:r>
-              <a:rPr lang="sv-SE" dirty="0"/>
-              <a:t> </a:t>
-            </a:r>
-            <a:r>
-              <a:rPr lang="sv-SE" dirty="0" err="1"/>
-              <a:t>rows</a:t>
-            </a:r>
-            <a:r>
-              <a:rPr lang="sv-SE" dirty="0"/>
-              <a:t> in the table</a:t>
-            </a:r>
-          </a:p>
-          <a:p>
-            <a:r>
-              <a:rPr lang="sv-SE" dirty="0" err="1"/>
-              <a:t>Estimated</a:t>
-            </a:r>
-            <a:r>
-              <a:rPr lang="sv-SE" dirty="0"/>
-              <a:t> </a:t>
-            </a:r>
-            <a:r>
-              <a:rPr lang="sv-SE" dirty="0" err="1"/>
-              <a:t>number</a:t>
-            </a:r>
-            <a:r>
-              <a:rPr lang="sv-SE" dirty="0"/>
-              <a:t> </a:t>
-            </a:r>
-            <a:r>
-              <a:rPr lang="sv-SE" dirty="0" err="1"/>
-              <a:t>of</a:t>
-            </a:r>
-            <a:r>
-              <a:rPr lang="sv-SE" dirty="0"/>
-              <a:t> </a:t>
-            </a:r>
-            <a:r>
-              <a:rPr lang="sv-SE" dirty="0" err="1"/>
-              <a:t>rows</a:t>
-            </a:r>
-            <a:r>
-              <a:rPr lang="sv-SE" dirty="0"/>
-              <a:t> for </a:t>
-            </a:r>
-            <a:r>
-              <a:rPr lang="sv-SE" dirty="0" err="1"/>
-              <a:t>equality</a:t>
-            </a:r>
-            <a:r>
-              <a:rPr lang="sv-SE" dirty="0"/>
-              <a:t> </a:t>
-            </a:r>
-            <a:r>
-              <a:rPr lang="sv-SE" dirty="0" err="1"/>
-              <a:t>predicate</a:t>
-            </a:r>
-            <a:r>
-              <a:rPr lang="sv-SE" dirty="0"/>
-              <a:t>: D * RC</a:t>
-            </a:r>
-          </a:p>
-          <a:p>
-            <a:r>
-              <a:rPr lang="sv-SE" dirty="0"/>
-              <a:t>2020-08-24: 0,02 x 4 999 400 = 99 988</a:t>
-            </a:r>
-          </a:p>
-          <a:p>
-            <a:r>
-              <a:rPr lang="sv-SE" dirty="0"/>
-              <a:t>2020-08-25: 0,02 x 4 999 400 = 99 988</a:t>
-            </a:r>
+            <a:endParaRPr lang="sv-SE" dirty="0"/>
           </a:p>
         </p:txBody>
       </p:sp>
     </p:spTree>
     <p:extLst>
       <p:ext uri="{BB962C8B-B14F-4D97-AF65-F5344CB8AC3E}">
-        <p14:creationId xmlns:p14="http://schemas.microsoft.com/office/powerpoint/2010/main" val="1883309551"/>
+        <p14:creationId xmlns:p14="http://schemas.microsoft.com/office/powerpoint/2010/main" val="1430289838"/>
       </p:ext>
     </p:extLst>
   </p:cSld>
@@ -10581,7 +10668,7 @@
           <p:cNvPr id="2" name="Rubrik 1">
             <a:extLst>
               <a:ext uri="{FF2B5EF4-FFF2-40B4-BE49-F238E27FC236}">
-                <a16:creationId xmlns:a16="http://schemas.microsoft.com/office/drawing/2014/main" id="{BD47827A-DD6C-49BB-AF64-42F14CE85D2B}"/>
+                <a16:creationId xmlns:a16="http://schemas.microsoft.com/office/drawing/2014/main" id="{AC3DAFDA-ACA1-4122-A7FA-128BCECE6D8D}"/>
               </a:ext>
             </a:extLst>
           </p:cNvPr>
@@ -10599,7 +10686,7 @@
           <a:p>
             <a:r>
               <a:rPr lang="sv-SE" dirty="0" err="1"/>
-              <a:t>Ascending</a:t>
+              <a:t>Estimated</a:t>
             </a:r>
             <a:r>
               <a:rPr lang="sv-SE" dirty="0"/>
@@ -10607,21 +10694,34 @@
             </a:r>
             <a:r>
               <a:rPr lang="sv-SE" dirty="0" err="1"/>
-              <a:t>Key</a:t>
-            </a:r>
-            <a:r>
-              <a:rPr lang="sv-SE" dirty="0"/>
-              <a:t> Problem</a:t>
-            </a:r>
-          </a:p>
-        </p:txBody>
-      </p:sp>
-      <p:sp>
-        <p:nvSpPr>
-          <p:cNvPr id="4" name="Platshållare för innehåll 3">
+              <a:t>number</a:t>
+            </a:r>
+            <a:r>
+              <a:rPr lang="sv-SE" dirty="0"/>
+              <a:t> </a:t>
+            </a:r>
+            <a:r>
+              <a:rPr lang="sv-SE" dirty="0" err="1"/>
+              <a:t>of</a:t>
+            </a:r>
+            <a:r>
+              <a:rPr lang="sv-SE" dirty="0"/>
+              <a:t> </a:t>
+            </a:r>
+            <a:r>
+              <a:rPr lang="sv-SE" dirty="0" err="1"/>
+              <a:t>rows</a:t>
+            </a:r>
+            <a:endParaRPr lang="sv-SE" dirty="0"/>
+          </a:p>
+        </p:txBody>
+      </p:sp>
+      <p:sp>
+        <p:nvSpPr>
+          <p:cNvPr id="3" name="Platshållare för innehåll 2">
             <a:extLst>
               <a:ext uri="{FF2B5EF4-FFF2-40B4-BE49-F238E27FC236}">
-                <a16:creationId xmlns:a16="http://schemas.microsoft.com/office/drawing/2014/main" id="{C95A51E3-8B67-40B8-8F94-C3A3B8A5D65E}"/>
+                <a16:creationId xmlns:a16="http://schemas.microsoft.com/office/drawing/2014/main" id="{331495DE-1640-4404-AC8F-7555B8020919}"/>
               </a:ext>
             </a:extLst>
           </p:cNvPr>
@@ -10634,12 +10734,43 @@
         </p:nvSpPr>
         <p:spPr/>
         <p:txBody>
-          <a:bodyPr/>
-          <a:lstStyle/>
-          <a:p>
-            <a:r>
-              <a:rPr lang="sv-SE" dirty="0" err="1"/>
-              <a:t>Can</a:t>
+          <a:bodyPr>
+            <a:normAutofit fontScale="92500" lnSpcReduction="10000"/>
+          </a:bodyPr>
+          <a:lstStyle/>
+          <a:p>
+            <a:pPr marL="0" indent="0">
+              <a:buNone/>
+            </a:pPr>
+            <a:r>
+              <a:rPr lang="sv-SE" b="1" dirty="0"/>
+              <a:t>With histogram</a:t>
+            </a:r>
+          </a:p>
+          <a:p>
+            <a:pPr lvl="1"/>
+            <a:r>
+              <a:rPr lang="sv-SE" dirty="0" err="1"/>
+              <a:t>OrderDate</a:t>
+            </a:r>
+            <a:r>
+              <a:rPr lang="sv-SE" dirty="0"/>
+              <a:t> = 2016-08-24: 99988</a:t>
+            </a:r>
+          </a:p>
+          <a:p>
+            <a:pPr lvl="1"/>
+            <a:r>
+              <a:rPr lang="sv-SE" dirty="0" err="1"/>
+              <a:t>OrderDate</a:t>
+            </a:r>
+            <a:r>
+              <a:rPr lang="sv-SE" dirty="0"/>
+              <a:t> = 2016-08-25: 0 (</a:t>
+            </a:r>
+            <a:r>
+              <a:rPr lang="sv-SE" dirty="0" err="1"/>
+              <a:t>Optimizer</a:t>
             </a:r>
             <a:r>
               <a:rPr lang="sv-SE" dirty="0"/>
@@ -10647,15 +10778,7 @@
             </a:r>
             <a:r>
               <a:rPr lang="sv-SE" dirty="0" err="1"/>
-              <a:t>also</a:t>
-            </a:r>
-            <a:r>
-              <a:rPr lang="sv-SE" dirty="0"/>
-              <a:t> be </a:t>
-            </a:r>
-            <a:r>
-              <a:rPr lang="sv-SE" dirty="0" err="1"/>
-              <a:t>missing</a:t>
+              <a:t>will</a:t>
             </a:r>
             <a:r>
               <a:rPr lang="sv-SE" dirty="0"/>
@@ -10663,19 +10786,212 @@
             </a:r>
             <a:r>
               <a:rPr lang="sv-SE" dirty="0" err="1"/>
-              <a:t>key</a:t>
-            </a:r>
-            <a:r>
-              <a:rPr lang="sv-SE" dirty="0"/>
-              <a:t>-in-the-</a:t>
-            </a:r>
-            <a:r>
-              <a:rPr lang="sv-SE" dirty="0" err="1"/>
-              <a:t>middle</a:t>
-            </a:r>
-            <a:r>
-              <a:rPr lang="sv-SE" dirty="0"/>
-              <a:t> problem</a:t>
+              <a:t>estimate</a:t>
+            </a:r>
+            <a:r>
+              <a:rPr lang="sv-SE" dirty="0"/>
+              <a:t> 1)</a:t>
+            </a:r>
+          </a:p>
+          <a:p>
+            <a:pPr marL="0" indent="0">
+              <a:buNone/>
+            </a:pPr>
+            <a:endParaRPr lang="sv-SE" dirty="0"/>
+          </a:p>
+          <a:p>
+            <a:pPr marL="0" indent="0">
+              <a:buNone/>
+            </a:pPr>
+            <a:r>
+              <a:rPr lang="sv-SE" b="1" dirty="0"/>
+              <a:t>With </a:t>
+            </a:r>
+            <a:r>
+              <a:rPr lang="sv-SE" b="1" dirty="0" err="1"/>
+              <a:t>Density</a:t>
+            </a:r>
+            <a:r>
+              <a:rPr lang="sv-SE" b="1" dirty="0"/>
+              <a:t> </a:t>
+            </a:r>
+            <a:r>
+              <a:rPr lang="sv-SE" b="1" dirty="0" err="1"/>
+              <a:t>Vector</a:t>
+            </a:r>
+            <a:endParaRPr lang="sv-SE" b="1" dirty="0"/>
+          </a:p>
+          <a:p>
+            <a:r>
+              <a:rPr lang="sv-SE" dirty="0"/>
+              <a:t>D = </a:t>
+            </a:r>
+            <a:r>
+              <a:rPr lang="sv-SE" dirty="0" err="1"/>
+              <a:t>Density</a:t>
+            </a:r>
+            <a:r>
+              <a:rPr lang="sv-SE" dirty="0"/>
+              <a:t> for </a:t>
+            </a:r>
+            <a:r>
+              <a:rPr lang="sv-SE" dirty="0" err="1"/>
+              <a:t>column</a:t>
+            </a:r>
+            <a:r>
+              <a:rPr lang="sv-SE" dirty="0"/>
+              <a:t>(s) </a:t>
+            </a:r>
+            <a:r>
+              <a:rPr lang="sv-SE" dirty="0" err="1"/>
+              <a:t>involved</a:t>
+            </a:r>
+            <a:r>
+              <a:rPr lang="sv-SE" dirty="0"/>
+              <a:t> in </a:t>
+            </a:r>
+            <a:r>
+              <a:rPr lang="sv-SE" dirty="0" err="1"/>
+              <a:t>equality</a:t>
+            </a:r>
+            <a:r>
+              <a:rPr lang="sv-SE" dirty="0"/>
+              <a:t> </a:t>
+            </a:r>
+            <a:r>
+              <a:rPr lang="sv-SE" dirty="0" err="1"/>
+              <a:t>predicate</a:t>
+            </a:r>
+            <a:r>
+              <a:rPr lang="sv-SE" dirty="0"/>
+              <a:t>. </a:t>
+            </a:r>
+          </a:p>
+          <a:p>
+            <a:pPr lvl="1"/>
+            <a:r>
+              <a:rPr lang="sv-SE" dirty="0" err="1"/>
+              <a:t>Example</a:t>
+            </a:r>
+            <a:r>
+              <a:rPr lang="sv-SE" dirty="0"/>
+              <a:t>: </a:t>
+            </a:r>
+            <a:r>
+              <a:rPr lang="sv-SE" dirty="0" err="1"/>
+              <a:t>OrderDate</a:t>
+            </a:r>
+            <a:r>
+              <a:rPr lang="sv-SE" dirty="0"/>
+              <a:t> = 2020-08-25. </a:t>
+            </a:r>
+            <a:r>
+              <a:rPr lang="sv-SE" dirty="0" err="1"/>
+              <a:t>Density</a:t>
+            </a:r>
+            <a:r>
+              <a:rPr lang="sv-SE" dirty="0"/>
+              <a:t> for </a:t>
+            </a:r>
+            <a:r>
+              <a:rPr lang="sv-SE" dirty="0" err="1"/>
+              <a:t>OrderDate</a:t>
+            </a:r>
+            <a:r>
+              <a:rPr lang="sv-SE" dirty="0"/>
+              <a:t> = 0,02</a:t>
+            </a:r>
+          </a:p>
+          <a:p>
+            <a:r>
+              <a:rPr lang="sv-SE" dirty="0"/>
+              <a:t>RC = Total </a:t>
+            </a:r>
+            <a:r>
+              <a:rPr lang="sv-SE" dirty="0" err="1"/>
+              <a:t>number</a:t>
+            </a:r>
+            <a:r>
+              <a:rPr lang="sv-SE" dirty="0"/>
+              <a:t> </a:t>
+            </a:r>
+            <a:r>
+              <a:rPr lang="sv-SE" dirty="0" err="1"/>
+              <a:t>of</a:t>
+            </a:r>
+            <a:r>
+              <a:rPr lang="sv-SE" dirty="0"/>
+              <a:t> </a:t>
+            </a:r>
+            <a:r>
+              <a:rPr lang="sv-SE" dirty="0" err="1"/>
+              <a:t>rows</a:t>
+            </a:r>
+            <a:r>
+              <a:rPr lang="sv-SE" dirty="0"/>
+              <a:t> in the table</a:t>
+            </a:r>
+          </a:p>
+          <a:p>
+            <a:r>
+              <a:rPr lang="sv-SE" dirty="0" err="1"/>
+              <a:t>Estimated</a:t>
+            </a:r>
+            <a:r>
+              <a:rPr lang="sv-SE" dirty="0"/>
+              <a:t> </a:t>
+            </a:r>
+            <a:r>
+              <a:rPr lang="sv-SE" dirty="0" err="1"/>
+              <a:t>number</a:t>
+            </a:r>
+            <a:r>
+              <a:rPr lang="sv-SE" dirty="0"/>
+              <a:t> </a:t>
+            </a:r>
+            <a:r>
+              <a:rPr lang="sv-SE" dirty="0" err="1"/>
+              <a:t>of</a:t>
+            </a:r>
+            <a:r>
+              <a:rPr lang="sv-SE" dirty="0"/>
+              <a:t> </a:t>
+            </a:r>
+            <a:r>
+              <a:rPr lang="sv-SE" dirty="0" err="1"/>
+              <a:t>rows</a:t>
+            </a:r>
+            <a:r>
+              <a:rPr lang="sv-SE" dirty="0"/>
+              <a:t> for </a:t>
+            </a:r>
+            <a:r>
+              <a:rPr lang="sv-SE" dirty="0" err="1"/>
+              <a:t>equality</a:t>
+            </a:r>
+            <a:r>
+              <a:rPr lang="sv-SE" dirty="0"/>
+              <a:t> </a:t>
+            </a:r>
+            <a:r>
+              <a:rPr lang="sv-SE" dirty="0" err="1"/>
+              <a:t>predicate</a:t>
+            </a:r>
+            <a:r>
+              <a:rPr lang="sv-SE" dirty="0"/>
+              <a:t>: D * RC</a:t>
+            </a:r>
+          </a:p>
+          <a:p>
+            <a:r>
+              <a:rPr lang="sv-SE" dirty="0"/>
+              <a:t>2020-08-24: 0,02 x 4 999 400 = 99 988</a:t>
+            </a:r>
+          </a:p>
+          <a:p>
+            <a:r>
+              <a:rPr lang="sv-SE" dirty="0"/>
+              <a:t>2020-08-25: 0,02 x 4 999 400 = 99 988</a:t>
             </a:r>
           </a:p>
         </p:txBody>
@@ -10683,7 +10999,7 @@
     </p:spTree>
     <p:extLst>
       <p:ext uri="{BB962C8B-B14F-4D97-AF65-F5344CB8AC3E}">
-        <p14:creationId xmlns:p14="http://schemas.microsoft.com/office/powerpoint/2010/main" val="1330220207"/>
+        <p14:creationId xmlns:p14="http://schemas.microsoft.com/office/powerpoint/2010/main" val="1883309551"/>
       </p:ext>
     </p:extLst>
   </p:cSld>
@@ -10712,10 +11028,10 @@
       </p:grpSpPr>
       <p:sp>
         <p:nvSpPr>
-          <p:cNvPr id="4" name="Rubrik 3">
+          <p:cNvPr id="2" name="Rubrik 1">
             <a:extLst>
               <a:ext uri="{FF2B5EF4-FFF2-40B4-BE49-F238E27FC236}">
-                <a16:creationId xmlns:a16="http://schemas.microsoft.com/office/drawing/2014/main" id="{64B64222-BACF-4B17-BDCE-188BE068A840}"/>
+                <a16:creationId xmlns:a16="http://schemas.microsoft.com/office/drawing/2014/main" id="{BD47827A-DD6C-49BB-AF64-42F14CE85D2B}"/>
               </a:ext>
             </a:extLst>
           </p:cNvPr>
@@ -10723,7 +11039,7 @@
             <a:spLocks noGrp="1"/>
           </p:cNvSpPr>
           <p:nvPr>
-            <p:ph type="ctrTitle"/>
+            <p:ph type="title"/>
           </p:nvPr>
         </p:nvSpPr>
         <p:spPr/>
@@ -10733,21 +11049,29 @@
           <a:p>
             <a:r>
               <a:rPr lang="sv-SE" dirty="0" err="1"/>
-              <a:t>Let’s</a:t>
-            </a:r>
-            <a:r>
-              <a:rPr lang="sv-SE" dirty="0"/>
-              <a:t> try to fix it</a:t>
-            </a:r>
-          </a:p>
-        </p:txBody>
-      </p:sp>
-      <p:sp>
-        <p:nvSpPr>
-          <p:cNvPr id="5" name="Underrubrik 4">
+              <a:t>Ascending</a:t>
+            </a:r>
+            <a:r>
+              <a:rPr lang="sv-SE" dirty="0"/>
+              <a:t> </a:t>
+            </a:r>
+            <a:r>
+              <a:rPr lang="sv-SE" dirty="0" err="1"/>
+              <a:t>Key</a:t>
+            </a:r>
+            <a:r>
+              <a:rPr lang="sv-SE" dirty="0"/>
+              <a:t> Problem</a:t>
+            </a:r>
+          </a:p>
+        </p:txBody>
+      </p:sp>
+      <p:sp>
+        <p:nvSpPr>
+          <p:cNvPr id="4" name="Platshållare för innehåll 3">
             <a:extLst>
               <a:ext uri="{FF2B5EF4-FFF2-40B4-BE49-F238E27FC236}">
-                <a16:creationId xmlns:a16="http://schemas.microsoft.com/office/drawing/2014/main" id="{41E7AB13-09F7-4E15-892F-5AFF12D2FA76}"/>
+                <a16:creationId xmlns:a16="http://schemas.microsoft.com/office/drawing/2014/main" id="{C95A51E3-8B67-40B8-8F94-C3A3B8A5D65E}"/>
               </a:ext>
             </a:extLst>
           </p:cNvPr>
@@ -10755,7 +11079,7 @@
             <a:spLocks noGrp="1"/>
           </p:cNvSpPr>
           <p:nvPr>
-            <p:ph type="subTitle" idx="1"/>
+            <p:ph idx="1"/>
           </p:nvPr>
         </p:nvSpPr>
         <p:spPr/>
@@ -10764,22 +11088,243 @@
           <a:lstStyle/>
           <a:p>
             <a:r>
-              <a:rPr lang="sv-SE" dirty="0"/>
-              <a:t>DEMO</a:t>
-            </a:r>
+              <a:rPr lang="sv-SE" dirty="0" err="1"/>
+              <a:t>Can</a:t>
+            </a:r>
+            <a:r>
+              <a:rPr lang="sv-SE" dirty="0"/>
+              <a:t> </a:t>
+            </a:r>
+            <a:r>
+              <a:rPr lang="sv-SE" dirty="0" err="1"/>
+              <a:t>also</a:t>
+            </a:r>
+            <a:r>
+              <a:rPr lang="sv-SE" dirty="0"/>
+              <a:t> be </a:t>
+            </a:r>
+            <a:r>
+              <a:rPr lang="sv-SE" dirty="0" err="1"/>
+              <a:t>missing</a:t>
+            </a:r>
+            <a:r>
+              <a:rPr lang="sv-SE" dirty="0"/>
+              <a:t> key-in-the-</a:t>
+            </a:r>
+            <a:r>
+              <a:rPr lang="sv-SE" dirty="0" err="1"/>
+              <a:t>middle</a:t>
+            </a:r>
+            <a:r>
+              <a:rPr lang="sv-SE" dirty="0"/>
+              <a:t> problem</a:t>
+            </a:r>
+          </a:p>
+          <a:p>
+            <a:endParaRPr lang="sv-SE" dirty="0"/>
+          </a:p>
+          <a:p>
+            <a:r>
+              <a:rPr lang="sv-SE" dirty="0" err="1"/>
+              <a:t>Can</a:t>
+            </a:r>
+            <a:r>
+              <a:rPr lang="sv-SE" dirty="0"/>
+              <a:t> </a:t>
+            </a:r>
+            <a:r>
+              <a:rPr lang="sv-SE" dirty="0" err="1"/>
+              <a:t>also</a:t>
+            </a:r>
+            <a:r>
+              <a:rPr lang="sv-SE" dirty="0"/>
+              <a:t> be bad </a:t>
+            </a:r>
+            <a:r>
+              <a:rPr lang="sv-SE" dirty="0" err="1"/>
+              <a:t>estimates</a:t>
+            </a:r>
+            <a:r>
+              <a:rPr lang="sv-SE" dirty="0"/>
+              <a:t> even with </a:t>
+            </a:r>
+            <a:r>
+              <a:rPr lang="sv-SE" dirty="0" err="1"/>
+              <a:t>perfect</a:t>
+            </a:r>
+            <a:r>
+              <a:rPr lang="sv-SE" dirty="0"/>
+              <a:t> </a:t>
+            </a:r>
+            <a:r>
+              <a:rPr lang="sv-SE" dirty="0" err="1"/>
+              <a:t>statistics</a:t>
+            </a:r>
+            <a:r>
+              <a:rPr lang="sv-SE" dirty="0"/>
+              <a:t> </a:t>
+            </a:r>
+            <a:r>
+              <a:rPr lang="sv-SE" dirty="0">
+                <a:sym typeface="Wingdings" panose="05000000000000000000" pitchFamily="2" charset="2"/>
+              </a:rPr>
+              <a:t></a:t>
+            </a:r>
+          </a:p>
+          <a:p>
+            <a:endParaRPr lang="sv-SE" dirty="0">
+              <a:sym typeface="Wingdings" panose="05000000000000000000" pitchFamily="2" charset="2"/>
+            </a:endParaRPr>
+          </a:p>
+          <a:p>
+            <a:pPr marL="0" indent="0">
+              <a:buNone/>
+            </a:pPr>
+            <a:endParaRPr lang="sv-SE" dirty="0"/>
           </a:p>
         </p:txBody>
       </p:sp>
     </p:spTree>
     <p:extLst>
       <p:ext uri="{BB962C8B-B14F-4D97-AF65-F5344CB8AC3E}">
-        <p14:creationId xmlns:p14="http://schemas.microsoft.com/office/powerpoint/2010/main" val="2097935439"/>
+        <p14:creationId xmlns:p14="http://schemas.microsoft.com/office/powerpoint/2010/main" val="1330220207"/>
       </p:ext>
     </p:extLst>
   </p:cSld>
   <p:clrMapOvr>
     <a:masterClrMapping/>
   </p:clrMapOvr>
+  <p:timing>
+    <p:tnLst>
+      <p:par>
+        <p:cTn id="1" dur="indefinite" restart="never" nodeType="tmRoot">
+          <p:childTnLst>
+            <p:seq concurrent="1" nextAc="seek">
+              <p:cTn id="2" dur="indefinite" nodeType="mainSeq">
+                <p:childTnLst>
+                  <p:par>
+                    <p:cTn id="3" fill="hold">
+                      <p:stCondLst>
+                        <p:cond delay="indefinite"/>
+                      </p:stCondLst>
+                      <p:childTnLst>
+                        <p:par>
+                          <p:cTn id="4" fill="hold">
+                            <p:stCondLst>
+                              <p:cond delay="0"/>
+                            </p:stCondLst>
+                            <p:childTnLst>
+                              <p:par>
+                                <p:cTn id="5" presetID="1" presetClass="entr" presetSubtype="0" fill="hold" grpId="0" nodeType="clickEffect">
+                                  <p:stCondLst>
+                                    <p:cond delay="0"/>
+                                  </p:stCondLst>
+                                  <p:childTnLst>
+                                    <p:set>
+                                      <p:cBhvr>
+                                        <p:cTn id="6" dur="1" fill="hold">
+                                          <p:stCondLst>
+                                            <p:cond delay="0"/>
+                                          </p:stCondLst>
+                                        </p:cTn>
+                                        <p:tgtEl>
+                                          <p:spTgt spid="4">
+                                            <p:txEl>
+                                              <p:pRg st="0" end="0"/>
+                                            </p:txEl>
+                                          </p:spTgt>
+                                        </p:tgtEl>
+                                        <p:attrNameLst>
+                                          <p:attrName>style.visibility</p:attrName>
+                                        </p:attrNameLst>
+                                      </p:cBhvr>
+                                      <p:to>
+                                        <p:strVal val="visible"/>
+                                      </p:to>
+                                    </p:set>
+                                  </p:childTnLst>
+                                </p:cTn>
+                              </p:par>
+                            </p:childTnLst>
+                          </p:cTn>
+                        </p:par>
+                      </p:childTnLst>
+                    </p:cTn>
+                  </p:par>
+                  <p:par>
+                    <p:cTn id="7" fill="hold">
+                      <p:stCondLst>
+                        <p:cond delay="indefinite"/>
+                      </p:stCondLst>
+                      <p:childTnLst>
+                        <p:par>
+                          <p:cTn id="8" fill="hold">
+                            <p:stCondLst>
+                              <p:cond delay="0"/>
+                            </p:stCondLst>
+                            <p:childTnLst>
+                              <p:par>
+                                <p:cTn id="9" presetID="1" presetClass="entr" presetSubtype="0" fill="hold" grpId="0" nodeType="clickEffect">
+                                  <p:stCondLst>
+                                    <p:cond delay="0"/>
+                                  </p:stCondLst>
+                                  <p:childTnLst>
+                                    <p:set>
+                                      <p:cBhvr>
+                                        <p:cTn id="10" dur="1" fill="hold">
+                                          <p:stCondLst>
+                                            <p:cond delay="0"/>
+                                          </p:stCondLst>
+                                        </p:cTn>
+                                        <p:tgtEl>
+                                          <p:spTgt spid="4">
+                                            <p:txEl>
+                                              <p:pRg st="2" end="2"/>
+                                            </p:txEl>
+                                          </p:spTgt>
+                                        </p:tgtEl>
+                                        <p:attrNameLst>
+                                          <p:attrName>style.visibility</p:attrName>
+                                        </p:attrNameLst>
+                                      </p:cBhvr>
+                                      <p:to>
+                                        <p:strVal val="visible"/>
+                                      </p:to>
+                                    </p:set>
+                                  </p:childTnLst>
+                                </p:cTn>
+                              </p:par>
+                            </p:childTnLst>
+                          </p:cTn>
+                        </p:par>
+                      </p:childTnLst>
+                    </p:cTn>
+                  </p:par>
+                </p:childTnLst>
+              </p:cTn>
+              <p:prevCondLst>
+                <p:cond evt="onPrev" delay="0">
+                  <p:tgtEl>
+                    <p:sldTgt/>
+                  </p:tgtEl>
+                </p:cond>
+              </p:prevCondLst>
+              <p:nextCondLst>
+                <p:cond evt="onNext" delay="0">
+                  <p:tgtEl>
+                    <p:sldTgt/>
+                  </p:tgtEl>
+                </p:cond>
+              </p:nextCondLst>
+            </p:seq>
+          </p:childTnLst>
+        </p:cTn>
+      </p:par>
+    </p:tnLst>
+    <p:bldLst>
+      <p:bldP spid="4" grpId="0" build="p"/>
+    </p:bldLst>
+  </p:timing>
 </p:sld>
 </file>
 
@@ -10805,7 +11350,7 @@
           <p:cNvPr id="4" name="Rubrik 3">
             <a:extLst>
               <a:ext uri="{FF2B5EF4-FFF2-40B4-BE49-F238E27FC236}">
-                <a16:creationId xmlns:a16="http://schemas.microsoft.com/office/drawing/2014/main" id="{F08205C7-0C61-429A-AA9C-1E9A4FBFFB77}"/>
+                <a16:creationId xmlns:a16="http://schemas.microsoft.com/office/drawing/2014/main" id="{64B64222-BACF-4B17-BDCE-188BE068A840}"/>
               </a:ext>
             </a:extLst>
           </p:cNvPr>
@@ -10816,22 +11361,37 @@
             <p:ph type="ctrTitle"/>
           </p:nvPr>
         </p:nvSpPr>
-        <p:spPr/>
+        <p:spPr>
+          <a:xfrm>
+            <a:off x="1507067" y="2404534"/>
+            <a:ext cx="7766936" cy="1646302"/>
+          </a:xfrm>
+        </p:spPr>
         <p:txBody>
           <a:bodyPr/>
           <a:lstStyle/>
           <a:p>
             <a:r>
               <a:rPr lang="sv-SE" dirty="0"/>
-              <a:t>Is there a silver </a:t>
-            </a:r>
-            <a:r>
-              <a:rPr lang="sv-SE" dirty="0" err="1"/>
-              <a:t>bullet</a:t>
-            </a:r>
-            <a:r>
-              <a:rPr lang="sv-SE" dirty="0"/>
-              <a:t>?</a:t>
+              <a:t>Ok Magnus. </a:t>
+            </a:r>
+            <a:br>
+              <a:rPr lang="sv-SE" dirty="0"/>
+            </a:br>
+            <a:r>
+              <a:rPr lang="sv-SE" dirty="0"/>
+              <a:t>It’s broken. </a:t>
+            </a:r>
+            <a:br>
+              <a:rPr lang="sv-SE" dirty="0"/>
+            </a:br>
+            <a:r>
+              <a:rPr lang="sv-SE" dirty="0" err="1"/>
+              <a:t>Can</a:t>
+            </a:r>
+            <a:r>
+              <a:rPr lang="sv-SE" dirty="0"/>
+              <a:t> we fix it?</a:t>
             </a:r>
           </a:p>
         </p:txBody>
@@ -10841,7 +11401,7 @@
           <p:cNvPr id="5" name="Underrubrik 4">
             <a:extLst>
               <a:ext uri="{FF2B5EF4-FFF2-40B4-BE49-F238E27FC236}">
-                <a16:creationId xmlns:a16="http://schemas.microsoft.com/office/drawing/2014/main" id="{D85E6EFA-AF2A-4B3D-A597-053A70AC0E34}"/>
+                <a16:creationId xmlns:a16="http://schemas.microsoft.com/office/drawing/2014/main" id="{41E7AB13-09F7-4E15-892F-5AFF12D2FA76}"/>
               </a:ext>
             </a:extLst>
           </p:cNvPr>
@@ -10859,15 +11419,7 @@
           <a:p>
             <a:r>
               <a:rPr lang="sv-SE" dirty="0"/>
-              <a:t>…or is it ”It </a:t>
-            </a:r>
-            <a:r>
-              <a:rPr lang="sv-SE" dirty="0" err="1"/>
-              <a:t>depends</a:t>
-            </a:r>
-            <a:r>
-              <a:rPr lang="sv-SE" dirty="0"/>
-              <a:t>”?</a:t>
+              <a:t>DEMO</a:t>
             </a:r>
           </a:p>
         </p:txBody>
@@ -10875,7 +11427,7 @@
     </p:spTree>
     <p:extLst>
       <p:ext uri="{BB962C8B-B14F-4D97-AF65-F5344CB8AC3E}">
-        <p14:creationId xmlns:p14="http://schemas.microsoft.com/office/powerpoint/2010/main" val="947879144"/>
+        <p14:creationId xmlns:p14="http://schemas.microsoft.com/office/powerpoint/2010/main" val="2097935439"/>
       </p:ext>
     </p:extLst>
   </p:cSld>
@@ -11165,6 +11717,844 @@
     <p:extLst>
       <p:ext uri="{BB962C8B-B14F-4D97-AF65-F5344CB8AC3E}">
         <p14:creationId xmlns:p14="http://schemas.microsoft.com/office/powerpoint/2010/main" val="193071922"/>
+      </p:ext>
+    </p:extLst>
+  </p:cSld>
+  <p:clrMapOvr>
+    <a:masterClrMapping/>
+  </p:clrMapOvr>
+</p:sld>
+</file>
+
+<file path=ppt/slides/slide18.xml><?xml version="1.0" encoding="utf-8"?>
+<p:sld xmlns:a="http://schemas.openxmlformats.org/drawingml/2006/main" xmlns:r="http://schemas.openxmlformats.org/officeDocument/2006/relationships" xmlns:p="http://schemas.openxmlformats.org/presentationml/2006/main">
+  <p:cSld>
+    <p:spTree>
+      <p:nvGrpSpPr>
+        <p:cNvPr id="1" name=""/>
+        <p:cNvGrpSpPr/>
+        <p:nvPr/>
+      </p:nvGrpSpPr>
+      <p:grpSpPr>
+        <a:xfrm>
+          <a:off x="0" y="0"/>
+          <a:ext cx="0" cy="0"/>
+          <a:chOff x="0" y="0"/>
+          <a:chExt cx="0" cy="0"/>
+        </a:xfrm>
+      </p:grpSpPr>
+      <p:sp>
+        <p:nvSpPr>
+          <p:cNvPr id="2" name="Rubrik 1">
+            <a:extLst>
+              <a:ext uri="{FF2B5EF4-FFF2-40B4-BE49-F238E27FC236}">
+                <a16:creationId xmlns:a16="http://schemas.microsoft.com/office/drawing/2014/main" id="{0868B8B1-DAF6-4E82-8026-F6113FAB0FE5}"/>
+              </a:ext>
+            </a:extLst>
+          </p:cNvPr>
+          <p:cNvSpPr>
+            <a:spLocks noGrp="1"/>
+          </p:cNvSpPr>
+          <p:nvPr>
+            <p:ph type="title"/>
+          </p:nvPr>
+        </p:nvSpPr>
+        <p:spPr/>
+        <p:txBody>
+          <a:bodyPr/>
+          <a:lstStyle/>
+          <a:p>
+            <a:r>
+              <a:rPr lang="sv-SE" dirty="0"/>
+              <a:t>SQL Server 2014</a:t>
+            </a:r>
+          </a:p>
+        </p:txBody>
+      </p:sp>
+      <p:sp>
+        <p:nvSpPr>
+          <p:cNvPr id="3" name="Platshållare för innehåll 2">
+            <a:extLst>
+              <a:ext uri="{FF2B5EF4-FFF2-40B4-BE49-F238E27FC236}">
+                <a16:creationId xmlns:a16="http://schemas.microsoft.com/office/drawing/2014/main" id="{AA10D47B-B8A7-40DB-8008-F9D7A7E99454}"/>
+              </a:ext>
+            </a:extLst>
+          </p:cNvPr>
+          <p:cNvSpPr>
+            <a:spLocks noGrp="1"/>
+          </p:cNvSpPr>
+          <p:nvPr>
+            <p:ph idx="1"/>
+          </p:nvPr>
+        </p:nvSpPr>
+        <p:spPr/>
+        <p:txBody>
+          <a:bodyPr/>
+          <a:lstStyle/>
+          <a:p>
+            <a:r>
+              <a:rPr lang="sv-SE" dirty="0" err="1"/>
+              <a:t>Ascending</a:t>
+            </a:r>
+            <a:r>
+              <a:rPr lang="sv-SE" dirty="0"/>
+              <a:t> Key problem, kind </a:t>
+            </a:r>
+            <a:r>
+              <a:rPr lang="sv-SE" dirty="0" err="1"/>
+              <a:t>of</a:t>
+            </a:r>
+            <a:r>
+              <a:rPr lang="sv-SE" dirty="0"/>
+              <a:t> </a:t>
+            </a:r>
+            <a:r>
+              <a:rPr lang="sv-SE" dirty="0" err="1"/>
+              <a:t>fixed</a:t>
+            </a:r>
+            <a:r>
+              <a:rPr lang="sv-SE" dirty="0"/>
+              <a:t>. Use </a:t>
+            </a:r>
+            <a:r>
+              <a:rPr lang="sv-SE" dirty="0" err="1"/>
+              <a:t>Density</a:t>
+            </a:r>
+            <a:r>
+              <a:rPr lang="sv-SE" dirty="0"/>
+              <a:t> </a:t>
+            </a:r>
+            <a:r>
+              <a:rPr lang="sv-SE" dirty="0" err="1"/>
+              <a:t>Vector</a:t>
+            </a:r>
+            <a:r>
+              <a:rPr lang="sv-SE" dirty="0"/>
+              <a:t> when </a:t>
+            </a:r>
+            <a:r>
+              <a:rPr lang="sv-SE" dirty="0" err="1"/>
+              <a:t>value</a:t>
+            </a:r>
+            <a:r>
+              <a:rPr lang="sv-SE" dirty="0"/>
+              <a:t> is </a:t>
+            </a:r>
+            <a:r>
+              <a:rPr lang="sv-SE" dirty="0" err="1"/>
+              <a:t>outside</a:t>
+            </a:r>
+            <a:r>
+              <a:rPr lang="sv-SE" dirty="0"/>
+              <a:t> </a:t>
+            </a:r>
+            <a:r>
+              <a:rPr lang="sv-SE" dirty="0" err="1"/>
+              <a:t>of</a:t>
+            </a:r>
+            <a:r>
+              <a:rPr lang="sv-SE" dirty="0"/>
+              <a:t> the </a:t>
+            </a:r>
+            <a:r>
+              <a:rPr lang="sv-SE" dirty="0" err="1"/>
+              <a:t>statistics</a:t>
+            </a:r>
+            <a:r>
+              <a:rPr lang="sv-SE" dirty="0"/>
+              <a:t> Histogram</a:t>
+            </a:r>
+          </a:p>
+          <a:p>
+            <a:r>
+              <a:rPr lang="sv-SE" dirty="0"/>
+              <a:t>New </a:t>
+            </a:r>
+            <a:r>
+              <a:rPr lang="sv-SE" dirty="0" err="1"/>
+              <a:t>Cardinality</a:t>
+            </a:r>
+            <a:r>
+              <a:rPr lang="sv-SE" dirty="0"/>
+              <a:t> </a:t>
+            </a:r>
+            <a:r>
+              <a:rPr lang="sv-SE" dirty="0" err="1"/>
+              <a:t>Estimation</a:t>
+            </a:r>
+            <a:endParaRPr lang="sv-SE" dirty="0"/>
+          </a:p>
+          <a:p>
+            <a:pPr lvl="1"/>
+            <a:r>
+              <a:rPr lang="sv-SE" dirty="0" err="1"/>
+              <a:t>Assume</a:t>
+            </a:r>
+            <a:r>
+              <a:rPr lang="sv-SE" dirty="0"/>
+              <a:t> </a:t>
+            </a:r>
+            <a:r>
+              <a:rPr lang="sv-SE" dirty="0" err="1"/>
+              <a:t>columns</a:t>
+            </a:r>
+            <a:r>
+              <a:rPr lang="sv-SE" dirty="0"/>
+              <a:t> in the same table </a:t>
+            </a:r>
+            <a:r>
+              <a:rPr lang="sv-SE" dirty="0" err="1"/>
+              <a:t>are</a:t>
+            </a:r>
+            <a:r>
+              <a:rPr lang="sv-SE" dirty="0"/>
+              <a:t> </a:t>
+            </a:r>
+            <a:r>
+              <a:rPr lang="sv-SE" dirty="0" err="1"/>
+              <a:t>related</a:t>
+            </a:r>
+            <a:r>
+              <a:rPr lang="sv-SE" dirty="0"/>
+              <a:t> (</a:t>
+            </a:r>
+            <a:r>
+              <a:rPr lang="sv-SE" dirty="0" err="1"/>
+              <a:t>BrandName</a:t>
+            </a:r>
+            <a:r>
+              <a:rPr lang="sv-SE" dirty="0"/>
+              <a:t> </a:t>
+            </a:r>
+            <a:r>
+              <a:rPr lang="sv-SE" dirty="0" err="1"/>
+              <a:t>related</a:t>
+            </a:r>
+            <a:r>
+              <a:rPr lang="sv-SE" dirty="0"/>
+              <a:t> to </a:t>
+            </a:r>
+            <a:r>
+              <a:rPr lang="sv-SE" dirty="0" err="1"/>
+              <a:t>ModelName</a:t>
+            </a:r>
+            <a:r>
+              <a:rPr lang="sv-SE" dirty="0"/>
+              <a:t> and Color)</a:t>
+            </a:r>
+          </a:p>
+          <a:p>
+            <a:pPr lvl="1"/>
+            <a:r>
+              <a:rPr lang="sv-SE" dirty="0" err="1"/>
+              <a:t>Assume</a:t>
+            </a:r>
+            <a:r>
+              <a:rPr lang="sv-SE" dirty="0"/>
+              <a:t> non-</a:t>
+            </a:r>
+            <a:r>
+              <a:rPr lang="sv-SE" dirty="0" err="1"/>
+              <a:t>join</a:t>
+            </a:r>
+            <a:r>
+              <a:rPr lang="sv-SE" dirty="0"/>
+              <a:t> </a:t>
+            </a:r>
+            <a:r>
+              <a:rPr lang="sv-SE" dirty="0" err="1"/>
+              <a:t>predicates</a:t>
+            </a:r>
+            <a:r>
+              <a:rPr lang="sv-SE" dirty="0"/>
+              <a:t> in different </a:t>
+            </a:r>
+            <a:r>
+              <a:rPr lang="sv-SE" dirty="0" err="1"/>
+              <a:t>tables</a:t>
+            </a:r>
+            <a:r>
+              <a:rPr lang="sv-SE" dirty="0"/>
+              <a:t> </a:t>
+            </a:r>
+            <a:r>
+              <a:rPr lang="sv-SE" dirty="0" err="1"/>
+              <a:t>are</a:t>
+            </a:r>
+            <a:r>
+              <a:rPr lang="sv-SE" dirty="0"/>
+              <a:t> NOT </a:t>
+            </a:r>
+            <a:r>
+              <a:rPr lang="sv-SE" dirty="0" err="1"/>
+              <a:t>related</a:t>
+            </a:r>
+            <a:r>
+              <a:rPr lang="sv-SE" dirty="0"/>
+              <a:t>.</a:t>
+            </a:r>
+          </a:p>
+          <a:p>
+            <a:r>
+              <a:rPr lang="sv-SE" dirty="0"/>
+              <a:t>Same Auto </a:t>
+            </a:r>
+            <a:r>
+              <a:rPr lang="sv-SE" dirty="0" err="1"/>
+              <a:t>Update</a:t>
+            </a:r>
+            <a:r>
+              <a:rPr lang="sv-SE" dirty="0"/>
+              <a:t> Stats as ”</a:t>
+            </a:r>
+            <a:r>
+              <a:rPr lang="sv-SE" dirty="0" err="1"/>
+              <a:t>always</a:t>
+            </a:r>
+            <a:r>
+              <a:rPr lang="sv-SE" dirty="0"/>
+              <a:t>”:</a:t>
+            </a:r>
+          </a:p>
+          <a:p>
+            <a:pPr lvl="1"/>
+            <a:r>
+              <a:rPr lang="sv-SE" dirty="0"/>
+              <a:t>20% </a:t>
+            </a:r>
+            <a:r>
+              <a:rPr lang="sv-SE" dirty="0" err="1"/>
+              <a:t>of</a:t>
+            </a:r>
+            <a:r>
+              <a:rPr lang="sv-SE" dirty="0"/>
+              <a:t> the </a:t>
+            </a:r>
+            <a:r>
+              <a:rPr lang="sv-SE" dirty="0" err="1"/>
+              <a:t>rows</a:t>
+            </a:r>
+            <a:r>
+              <a:rPr lang="sv-SE" dirty="0"/>
+              <a:t> </a:t>
+            </a:r>
+            <a:r>
+              <a:rPr lang="sv-SE" dirty="0" err="1"/>
+              <a:t>have</a:t>
+            </a:r>
+            <a:r>
+              <a:rPr lang="sv-SE" dirty="0"/>
+              <a:t> been </a:t>
+            </a:r>
+            <a:r>
+              <a:rPr lang="sv-SE" dirty="0" err="1"/>
+              <a:t>changed</a:t>
+            </a:r>
+            <a:r>
+              <a:rPr lang="sv-SE" dirty="0"/>
+              <a:t> (</a:t>
+            </a:r>
+            <a:r>
+              <a:rPr lang="sv-SE" dirty="0" err="1"/>
+              <a:t>inserted</a:t>
+            </a:r>
+            <a:r>
+              <a:rPr lang="sv-SE" dirty="0"/>
+              <a:t>, </a:t>
+            </a:r>
+            <a:r>
+              <a:rPr lang="sv-SE" dirty="0" err="1"/>
+              <a:t>updated</a:t>
+            </a:r>
+            <a:r>
+              <a:rPr lang="sv-SE" dirty="0"/>
+              <a:t> or </a:t>
+            </a:r>
+            <a:r>
+              <a:rPr lang="sv-SE" dirty="0" err="1"/>
+              <a:t>deleted</a:t>
+            </a:r>
+            <a:r>
+              <a:rPr lang="sv-SE" dirty="0"/>
+              <a:t>)</a:t>
+            </a:r>
+          </a:p>
+          <a:p>
+            <a:pPr lvl="1"/>
+            <a:r>
+              <a:rPr lang="sv-SE" dirty="0"/>
+              <a:t>For our 5 million </a:t>
+            </a:r>
+            <a:r>
+              <a:rPr lang="sv-SE" dirty="0" err="1"/>
+              <a:t>row</a:t>
+            </a:r>
+            <a:r>
+              <a:rPr lang="sv-SE" dirty="0"/>
+              <a:t> table, that </a:t>
+            </a:r>
+            <a:r>
+              <a:rPr lang="sv-SE" dirty="0" err="1"/>
+              <a:t>means</a:t>
+            </a:r>
+            <a:r>
+              <a:rPr lang="sv-SE" dirty="0"/>
+              <a:t> 1 million </a:t>
+            </a:r>
+            <a:r>
+              <a:rPr lang="sv-SE" dirty="0" err="1"/>
+              <a:t>rows</a:t>
+            </a:r>
+            <a:endParaRPr lang="sv-SE" dirty="0"/>
+          </a:p>
+          <a:p>
+            <a:pPr lvl="1"/>
+            <a:r>
+              <a:rPr lang="sv-SE" dirty="0" err="1"/>
+              <a:t>Traceflag</a:t>
+            </a:r>
+            <a:r>
+              <a:rPr lang="sv-SE" dirty="0"/>
+              <a:t> 2371 </a:t>
+            </a:r>
+            <a:r>
+              <a:rPr lang="sv-SE" dirty="0" err="1"/>
+              <a:t>changes</a:t>
+            </a:r>
+            <a:r>
+              <a:rPr lang="sv-SE" dirty="0"/>
+              <a:t> </a:t>
+            </a:r>
+            <a:r>
+              <a:rPr lang="sv-SE" dirty="0" err="1"/>
+              <a:t>behaviour</a:t>
+            </a:r>
+            <a:endParaRPr lang="sv-SE" dirty="0"/>
+          </a:p>
+          <a:p>
+            <a:pPr marL="0" indent="0">
+              <a:buNone/>
+            </a:pPr>
+            <a:endParaRPr lang="sv-SE" dirty="0"/>
+          </a:p>
+        </p:txBody>
+      </p:sp>
+    </p:spTree>
+    <p:extLst>
+      <p:ext uri="{BB962C8B-B14F-4D97-AF65-F5344CB8AC3E}">
+        <p14:creationId xmlns:p14="http://schemas.microsoft.com/office/powerpoint/2010/main" val="3398550770"/>
+      </p:ext>
+    </p:extLst>
+  </p:cSld>
+  <p:clrMapOvr>
+    <a:masterClrMapping/>
+  </p:clrMapOvr>
+</p:sld>
+</file>
+
+<file path=ppt/slides/slide19.xml><?xml version="1.0" encoding="utf-8"?>
+<p:sld xmlns:a="http://schemas.openxmlformats.org/drawingml/2006/main" xmlns:r="http://schemas.openxmlformats.org/officeDocument/2006/relationships" xmlns:p="http://schemas.openxmlformats.org/presentationml/2006/main">
+  <p:cSld>
+    <p:spTree>
+      <p:nvGrpSpPr>
+        <p:cNvPr id="1" name=""/>
+        <p:cNvGrpSpPr/>
+        <p:nvPr/>
+      </p:nvGrpSpPr>
+      <p:grpSpPr>
+        <a:xfrm>
+          <a:off x="0" y="0"/>
+          <a:ext cx="0" cy="0"/>
+          <a:chOff x="0" y="0"/>
+          <a:chExt cx="0" cy="0"/>
+        </a:xfrm>
+      </p:grpSpPr>
+      <p:sp>
+        <p:nvSpPr>
+          <p:cNvPr id="2" name="Rubrik 1">
+            <a:extLst>
+              <a:ext uri="{FF2B5EF4-FFF2-40B4-BE49-F238E27FC236}">
+                <a16:creationId xmlns:a16="http://schemas.microsoft.com/office/drawing/2014/main" id="{6E660EA4-58DB-4A2F-AC5B-3B525BDF55A8}"/>
+              </a:ext>
+            </a:extLst>
+          </p:cNvPr>
+          <p:cNvSpPr>
+            <a:spLocks noGrp="1"/>
+          </p:cNvSpPr>
+          <p:nvPr>
+            <p:ph type="title"/>
+          </p:nvPr>
+        </p:nvSpPr>
+        <p:spPr/>
+        <p:txBody>
+          <a:bodyPr/>
+          <a:lstStyle/>
+          <a:p>
+            <a:r>
+              <a:rPr lang="sv-SE" dirty="0"/>
+              <a:t>SQL Server 2016</a:t>
+            </a:r>
+          </a:p>
+        </p:txBody>
+      </p:sp>
+      <p:sp>
+        <p:nvSpPr>
+          <p:cNvPr id="3" name="Platshållare för innehåll 2">
+            <a:extLst>
+              <a:ext uri="{FF2B5EF4-FFF2-40B4-BE49-F238E27FC236}">
+                <a16:creationId xmlns:a16="http://schemas.microsoft.com/office/drawing/2014/main" id="{D6CC7AF3-9FF3-4AC7-B14E-3BDC21F93BAA}"/>
+              </a:ext>
+            </a:extLst>
+          </p:cNvPr>
+          <p:cNvSpPr>
+            <a:spLocks noGrp="1"/>
+          </p:cNvSpPr>
+          <p:nvPr>
+            <p:ph idx="1"/>
+          </p:nvPr>
+        </p:nvSpPr>
+        <p:spPr>
+          <a:xfrm>
+            <a:off x="677333" y="1460123"/>
+            <a:ext cx="8596668" cy="2468560"/>
+          </a:xfrm>
+        </p:spPr>
+        <p:txBody>
+          <a:bodyPr/>
+          <a:lstStyle/>
+          <a:p>
+            <a:r>
+              <a:rPr lang="sv-SE" dirty="0"/>
+              <a:t>Same </a:t>
+            </a:r>
+            <a:r>
+              <a:rPr lang="sv-SE" dirty="0" err="1"/>
+              <a:t>cardinality</a:t>
+            </a:r>
+            <a:r>
+              <a:rPr lang="sv-SE" dirty="0"/>
+              <a:t> </a:t>
+            </a:r>
+            <a:r>
+              <a:rPr lang="sv-SE" dirty="0" err="1"/>
+              <a:t>estimation</a:t>
+            </a:r>
+            <a:r>
+              <a:rPr lang="sv-SE" dirty="0"/>
+              <a:t> as SQL Server 2014</a:t>
+            </a:r>
+          </a:p>
+          <a:p>
+            <a:r>
+              <a:rPr lang="sv-SE" dirty="0"/>
+              <a:t>Auto </a:t>
+            </a:r>
+            <a:r>
+              <a:rPr lang="sv-SE" dirty="0" err="1"/>
+              <a:t>Update</a:t>
+            </a:r>
+            <a:r>
+              <a:rPr lang="sv-SE" dirty="0"/>
+              <a:t> Stats </a:t>
+            </a:r>
+            <a:r>
+              <a:rPr lang="sv-SE" dirty="0" err="1"/>
+              <a:t>percent</a:t>
+            </a:r>
+            <a:r>
+              <a:rPr lang="sv-SE" dirty="0"/>
+              <a:t> </a:t>
+            </a:r>
+            <a:r>
+              <a:rPr lang="sv-SE" dirty="0" err="1"/>
+              <a:t>threshold</a:t>
+            </a:r>
+            <a:r>
+              <a:rPr lang="sv-SE" dirty="0"/>
+              <a:t> gets </a:t>
+            </a:r>
+            <a:r>
+              <a:rPr lang="sv-SE" dirty="0" err="1"/>
+              <a:t>lower</a:t>
+            </a:r>
+            <a:r>
+              <a:rPr lang="sv-SE" dirty="0"/>
+              <a:t> as the table </a:t>
+            </a:r>
+            <a:r>
+              <a:rPr lang="sv-SE" dirty="0" err="1"/>
+              <a:t>grows</a:t>
+            </a:r>
+            <a:r>
+              <a:rPr lang="sv-SE" dirty="0"/>
+              <a:t> </a:t>
+            </a:r>
+            <a:r>
+              <a:rPr lang="sv-SE" dirty="0" err="1"/>
+              <a:t>bigger</a:t>
+            </a:r>
+            <a:endParaRPr lang="sv-SE" dirty="0"/>
+          </a:p>
+          <a:p>
+            <a:pPr lvl="1"/>
+            <a:r>
+              <a:rPr lang="sv-SE" dirty="0"/>
+              <a:t>Up to 25k </a:t>
+            </a:r>
+            <a:r>
+              <a:rPr lang="sv-SE" dirty="0" err="1"/>
+              <a:t>rows</a:t>
+            </a:r>
+            <a:r>
+              <a:rPr lang="sv-SE" dirty="0"/>
+              <a:t>, 20% </a:t>
+            </a:r>
+            <a:r>
+              <a:rPr lang="sv-SE" dirty="0" err="1"/>
+              <a:t>threshold</a:t>
+            </a:r>
+            <a:r>
+              <a:rPr lang="sv-SE" dirty="0"/>
+              <a:t> is used</a:t>
+            </a:r>
+          </a:p>
+          <a:p>
+            <a:pPr lvl="1"/>
+            <a:r>
+              <a:rPr lang="sv-SE" dirty="0"/>
+              <a:t>With more than 25k </a:t>
+            </a:r>
+            <a:r>
+              <a:rPr lang="sv-SE" dirty="0" err="1"/>
+              <a:t>rows</a:t>
+            </a:r>
+            <a:r>
+              <a:rPr lang="sv-SE" dirty="0"/>
+              <a:t>, </a:t>
+            </a:r>
+            <a:r>
+              <a:rPr lang="sv-SE" dirty="0" err="1"/>
+              <a:t>threshold</a:t>
+            </a:r>
+            <a:r>
+              <a:rPr lang="sv-SE" dirty="0"/>
+              <a:t> is </a:t>
+            </a:r>
+            <a:r>
+              <a:rPr lang="sv-SE" dirty="0" err="1"/>
+              <a:t>dynamically</a:t>
+            </a:r>
+            <a:r>
+              <a:rPr lang="sv-SE" dirty="0"/>
+              <a:t> </a:t>
+            </a:r>
+            <a:r>
+              <a:rPr lang="sv-SE" dirty="0" err="1"/>
+              <a:t>decreased</a:t>
+            </a:r>
+            <a:r>
+              <a:rPr lang="sv-SE" dirty="0"/>
+              <a:t> in relation to </a:t>
+            </a:r>
+            <a:r>
+              <a:rPr lang="sv-SE" dirty="0" err="1"/>
+              <a:t>rowcount</a:t>
+            </a:r>
+            <a:r>
+              <a:rPr lang="sv-SE" dirty="0"/>
+              <a:t> </a:t>
+            </a:r>
+            <a:r>
+              <a:rPr lang="sv-SE" dirty="0" err="1"/>
+              <a:t>of</a:t>
+            </a:r>
+            <a:r>
+              <a:rPr lang="sv-SE" dirty="0"/>
+              <a:t> table.</a:t>
+            </a:r>
+          </a:p>
+          <a:p>
+            <a:pPr marL="0" indent="0">
+              <a:buNone/>
+            </a:pPr>
+            <a:r>
+              <a:rPr lang="sv-SE" b="0" i="0" u="none" strike="noStrike" dirty="0">
+                <a:solidFill>
+                  <a:srgbClr val="336DC2"/>
+                </a:solidFill>
+                <a:effectLst/>
+                <a:latin typeface="Roboto" panose="02000000000000000000" pitchFamily="2" charset="0"/>
+                <a:hlinkClick r:id="rId2"/>
+              </a:rPr>
+              <a:t>https://blogs.msdn.microsoft.com/saponsqlserver/2011/09/07/changes-to-automatic-update-statistics-in-sql-server-traceflag-2371/</a:t>
+            </a:r>
+            <a:endParaRPr lang="sv-SE" b="0" i="0" u="none" strike="noStrike" dirty="0">
+              <a:solidFill>
+                <a:srgbClr val="336DC2"/>
+              </a:solidFill>
+              <a:effectLst/>
+              <a:latin typeface="Roboto" panose="02000000000000000000" pitchFamily="2" charset="0"/>
+            </a:endParaRPr>
+          </a:p>
+          <a:p>
+            <a:pPr marL="0" indent="0">
+              <a:buNone/>
+            </a:pPr>
+            <a:endParaRPr lang="sv-SE" dirty="0"/>
+          </a:p>
+        </p:txBody>
+      </p:sp>
+      <p:pic>
+        <p:nvPicPr>
+          <p:cNvPr id="1026" name="Picture 2">
+            <a:extLst>
+              <a:ext uri="{FF2B5EF4-FFF2-40B4-BE49-F238E27FC236}">
+                <a16:creationId xmlns:a16="http://schemas.microsoft.com/office/drawing/2014/main" id="{19B53DE1-CA9B-4FF8-9393-E43ED0852079}"/>
+              </a:ext>
+            </a:extLst>
+          </p:cNvPr>
+          <p:cNvPicPr>
+            <a:picLocks noChangeAspect="1" noChangeArrowheads="1"/>
+          </p:cNvPicPr>
+          <p:nvPr/>
+        </p:nvPicPr>
+        <p:blipFill rotWithShape="1">
+          <a:blip r:embed="rId3">
+            <a:extLst>
+              <a:ext uri="{28A0092B-C50C-407E-A947-70E740481C1C}">
+                <a14:useLocalDpi xmlns:a14="http://schemas.microsoft.com/office/drawing/2010/main" val="0"/>
+              </a:ext>
+            </a:extLst>
+          </a:blip>
+          <a:srcRect t="34529" r="2659" b="3289"/>
+          <a:stretch/>
+        </p:blipFill>
+        <p:spPr bwMode="auto">
+          <a:xfrm>
+            <a:off x="677333" y="3928683"/>
+            <a:ext cx="6804695" cy="2710241"/>
+          </a:xfrm>
+          <a:prstGeom prst="rect">
+            <a:avLst/>
+          </a:prstGeom>
+          <a:noFill/>
+          <a:extLst>
+            <a:ext uri="{909E8E84-426E-40DD-AFC4-6F175D3DCCD1}">
+              <a14:hiddenFill xmlns:a14="http://schemas.microsoft.com/office/drawing/2010/main">
+                <a:solidFill>
+                  <a:srgbClr val="FFFFFF"/>
+                </a:solidFill>
+              </a14:hiddenFill>
+            </a:ext>
+          </a:extLst>
+        </p:spPr>
+      </p:pic>
+      <mc:AlternateContent xmlns:mc="http://schemas.openxmlformats.org/markup-compatibility/2006">
+        <mc:Choice xmlns:p14="http://schemas.microsoft.com/office/powerpoint/2010/main" Requires="p14">
+          <p:contentPart p14:bwMode="auto" r:id="rId4">
+            <p14:nvContentPartPr>
+              <p14:cNvPr id="4" name="Pennanteckning 3">
+                <a:extLst>
+                  <a:ext uri="{FF2B5EF4-FFF2-40B4-BE49-F238E27FC236}">
+                    <a16:creationId xmlns:a16="http://schemas.microsoft.com/office/drawing/2014/main" id="{9EC537C6-C69E-410F-B5AB-782CD5EA6869}"/>
+                  </a:ext>
+                </a:extLst>
+              </p14:cNvPr>
+              <p14:cNvContentPartPr/>
+              <p14:nvPr/>
+            </p14:nvContentPartPr>
+            <p14:xfrm>
+              <a:off x="5771400" y="5256531"/>
+              <a:ext cx="10800" cy="891813"/>
+            </p14:xfrm>
+          </p:contentPart>
+        </mc:Choice>
+        <mc:Fallback>
+          <p:pic>
+            <p:nvPicPr>
+              <p:cNvPr id="4" name="Pennanteckning 3">
+                <a:extLst>
+                  <a:ext uri="{FF2B5EF4-FFF2-40B4-BE49-F238E27FC236}">
+                    <a16:creationId xmlns:a16="http://schemas.microsoft.com/office/drawing/2014/main" id="{9EC537C6-C69E-410F-B5AB-782CD5EA6869}"/>
+                  </a:ext>
+                </a:extLst>
+              </p:cNvPr>
+              <p:cNvPicPr/>
+              <p:nvPr/>
+            </p:nvPicPr>
+            <p:blipFill>
+              <a:blip r:embed="rId5"/>
+              <a:stretch>
+                <a:fillRect/>
+              </a:stretch>
+            </p:blipFill>
+            <p:spPr>
+              <a:xfrm>
+                <a:off x="5717400" y="5148476"/>
+                <a:ext cx="118440" cy="1107563"/>
+              </a:xfrm>
+              <a:prstGeom prst="rect">
+                <a:avLst/>
+              </a:prstGeom>
+            </p:spPr>
+          </p:pic>
+        </mc:Fallback>
+      </mc:AlternateContent>
+      <mc:AlternateContent xmlns:mc="http://schemas.openxmlformats.org/markup-compatibility/2006">
+        <mc:Choice xmlns:p14="http://schemas.microsoft.com/office/powerpoint/2010/main" Requires="p14">
+          <p:contentPart p14:bwMode="auto" r:id="rId6">
+            <p14:nvContentPartPr>
+              <p14:cNvPr id="6" name="Pennanteckning 5">
+                <a:extLst>
+                  <a:ext uri="{FF2B5EF4-FFF2-40B4-BE49-F238E27FC236}">
+                    <a16:creationId xmlns:a16="http://schemas.microsoft.com/office/drawing/2014/main" id="{CB393763-F46A-45D9-8337-897821C8AD21}"/>
+                  </a:ext>
+                </a:extLst>
+              </p14:cNvPr>
+              <p14:cNvContentPartPr/>
+              <p14:nvPr/>
+            </p14:nvContentPartPr>
+            <p14:xfrm>
+              <a:off x="3727110" y="4086838"/>
+              <a:ext cx="46440" cy="1911179"/>
+            </p14:xfrm>
+          </p:contentPart>
+        </mc:Choice>
+        <mc:Fallback>
+          <p:pic>
+            <p:nvPicPr>
+              <p:cNvPr id="6" name="Pennanteckning 5">
+                <a:extLst>
+                  <a:ext uri="{FF2B5EF4-FFF2-40B4-BE49-F238E27FC236}">
+                    <a16:creationId xmlns:a16="http://schemas.microsoft.com/office/drawing/2014/main" id="{CB393763-F46A-45D9-8337-897821C8AD21}"/>
+                  </a:ext>
+                </a:extLst>
+              </p:cNvPr>
+              <p:cNvPicPr/>
+              <p:nvPr/>
+            </p:nvPicPr>
+            <p:blipFill>
+              <a:blip r:embed="rId7"/>
+              <a:stretch>
+                <a:fillRect/>
+              </a:stretch>
+            </p:blipFill>
+            <p:spPr>
+              <a:xfrm>
+                <a:off x="3673470" y="3979181"/>
+                <a:ext cx="154080" cy="2126853"/>
+              </a:xfrm>
+              <a:prstGeom prst="rect">
+                <a:avLst/>
+              </a:prstGeom>
+            </p:spPr>
+          </p:pic>
+        </mc:Fallback>
+      </mc:AlternateContent>
+    </p:spTree>
+    <p:extLst>
+      <p:ext uri="{BB962C8B-B14F-4D97-AF65-F5344CB8AC3E}">
+        <p14:creationId xmlns:p14="http://schemas.microsoft.com/office/powerpoint/2010/main" val="1529937323"/>
       </p:ext>
     </p:extLst>
   </p:cSld>
@@ -11301,10 +12691,10 @@
       </p:grpSpPr>
       <p:sp>
         <p:nvSpPr>
-          <p:cNvPr id="2" name="Rubrik 1">
+          <p:cNvPr id="4" name="Rubrik 3">
             <a:extLst>
               <a:ext uri="{FF2B5EF4-FFF2-40B4-BE49-F238E27FC236}">
-                <a16:creationId xmlns:a16="http://schemas.microsoft.com/office/drawing/2014/main" id="{70C438DB-20F7-4B34-8E2C-4BF45E7293A3}"/>
+                <a16:creationId xmlns:a16="http://schemas.microsoft.com/office/drawing/2014/main" id="{A90E0938-D91E-47B0-A3AF-1A2616A87B75}"/>
               </a:ext>
             </a:extLst>
           </p:cNvPr>
@@ -11321,36 +12711,14 @@
           <a:lstStyle/>
           <a:p>
             <a:r>
-              <a:rPr lang="sv-SE" dirty="0"/>
-              <a:t>Session </a:t>
-            </a:r>
-            <a:r>
-              <a:rPr lang="sv-SE" dirty="0" err="1"/>
-              <a:t>contents</a:t>
-            </a:r>
-            <a:r>
-              <a:rPr lang="sv-SE" dirty="0"/>
-              <a:t> </a:t>
-            </a:r>
-            <a:r>
-              <a:rPr lang="sv-SE" sz="2200" dirty="0"/>
-              <a:t>(Not </a:t>
-            </a:r>
-            <a:r>
-              <a:rPr lang="sv-SE" sz="2200" dirty="0" err="1"/>
-              <a:t>necessarily</a:t>
-            </a:r>
-            <a:r>
-              <a:rPr lang="sv-SE" sz="2200" dirty="0"/>
-              <a:t> in </a:t>
-            </a:r>
-            <a:r>
-              <a:rPr lang="sv-SE" sz="2200" dirty="0" err="1"/>
-              <a:t>this</a:t>
-            </a:r>
-            <a:r>
-              <a:rPr lang="sv-SE" sz="2200" dirty="0"/>
-              <a:t> order…)</a:t>
+              <a:rPr lang="en-US" b="0" i="0" dirty="0">
+                <a:solidFill>
+                  <a:srgbClr val="202122"/>
+                </a:solidFill>
+                <a:effectLst/>
+                <a:latin typeface="Arial" panose="020B0604020202020204" pitchFamily="34" charset="0"/>
+              </a:rPr>
+              <a:t> "There are three kinds of lies: lies, damned lies, and statistics."</a:t>
             </a:r>
             <a:endParaRPr lang="sv-SE" dirty="0"/>
           </a:p>
@@ -11358,10 +12726,10 @@
       </p:sp>
       <p:sp>
         <p:nvSpPr>
-          <p:cNvPr id="3" name="Platshållare för innehåll 2">
+          <p:cNvPr id="5" name="Platshållare för text 4">
             <a:extLst>
               <a:ext uri="{FF2B5EF4-FFF2-40B4-BE49-F238E27FC236}">
-                <a16:creationId xmlns:a16="http://schemas.microsoft.com/office/drawing/2014/main" id="{3308BB25-8932-48AF-AEB6-FF932D5D492F}"/>
+                <a16:creationId xmlns:a16="http://schemas.microsoft.com/office/drawing/2014/main" id="{B58EDE28-1BC3-435F-907B-58CD314B8DEC}"/>
               </a:ext>
             </a:extLst>
           </p:cNvPr>
@@ -11369,7 +12737,7 @@
             <a:spLocks noGrp="1"/>
           </p:cNvSpPr>
           <p:nvPr>
-            <p:ph idx="1"/>
+            <p:ph type="body" idx="1"/>
           </p:nvPr>
         </p:nvSpPr>
         <p:spPr/>
@@ -11378,58 +12746,16 @@
           <a:lstStyle/>
           <a:p>
             <a:r>
-              <a:rPr lang="sv-SE" dirty="0" err="1"/>
-              <a:t>Ascending</a:t>
-            </a:r>
-            <a:r>
-              <a:rPr lang="sv-SE" dirty="0"/>
-              <a:t> </a:t>
-            </a:r>
-            <a:r>
-              <a:rPr lang="sv-SE" dirty="0" err="1"/>
-              <a:t>key</a:t>
-            </a:r>
-            <a:endParaRPr lang="sv-SE" dirty="0"/>
-          </a:p>
-          <a:p>
-            <a:r>
-              <a:rPr lang="sv-SE" dirty="0" err="1"/>
-              <a:t>Missing</a:t>
-            </a:r>
-            <a:r>
-              <a:rPr lang="sv-SE" dirty="0"/>
-              <a:t> </a:t>
-            </a:r>
-            <a:r>
-              <a:rPr lang="sv-SE" dirty="0" err="1"/>
-              <a:t>key</a:t>
-            </a:r>
-            <a:endParaRPr lang="sv-SE" dirty="0"/>
-          </a:p>
-          <a:p>
-            <a:r>
-              <a:rPr lang="sv-SE" dirty="0" err="1"/>
-              <a:t>Statistics</a:t>
-            </a:r>
-            <a:endParaRPr lang="sv-SE" dirty="0"/>
-          </a:p>
-          <a:p>
-            <a:r>
-              <a:rPr lang="sv-SE" dirty="0"/>
-              <a:t>Case </a:t>
-            </a:r>
-            <a:r>
-              <a:rPr lang="sv-SE" dirty="0" err="1"/>
-              <a:t>study</a:t>
-            </a:r>
-            <a:endParaRPr lang="sv-SE" dirty="0"/>
+              <a:rPr lang="sv-SE" i="1" dirty="0"/>
+              <a:t>Not Mark Twain</a:t>
+            </a:r>
           </a:p>
         </p:txBody>
       </p:sp>
     </p:spTree>
     <p:extLst>
       <p:ext uri="{BB962C8B-B14F-4D97-AF65-F5344CB8AC3E}">
-        <p14:creationId xmlns:p14="http://schemas.microsoft.com/office/powerpoint/2010/main" val="7591363"/>
+        <p14:creationId xmlns:p14="http://schemas.microsoft.com/office/powerpoint/2010/main" val="2414296188"/>
       </p:ext>
     </p:extLst>
   </p:cSld>
@@ -12252,9 +13578,52 @@
         </p:nvSpPr>
         <p:spPr/>
         <p:txBody>
-          <a:bodyPr/>
-          <a:lstStyle/>
-          <a:p>
+          <a:bodyPr>
+            <a:normAutofit lnSpcReduction="10000"/>
+          </a:bodyPr>
+          <a:lstStyle/>
+          <a:p>
+            <a:pPr marL="0" indent="0">
+              <a:buNone/>
+            </a:pPr>
+            <a:r>
+              <a:rPr lang="sv-SE" dirty="0"/>
+              <a:t>”Your database is super </a:t>
+            </a:r>
+            <a:r>
+              <a:rPr lang="sv-SE" dirty="0" err="1"/>
+              <a:t>slow</a:t>
+            </a:r>
+            <a:r>
+              <a:rPr lang="sv-SE" dirty="0"/>
+              <a:t> </a:t>
+            </a:r>
+            <a:r>
+              <a:rPr lang="sv-SE" dirty="0" err="1"/>
+              <a:t>exactly</a:t>
+            </a:r>
+            <a:r>
+              <a:rPr lang="sv-SE" dirty="0"/>
+              <a:t> when we need it to be fast. Fix it!”</a:t>
+            </a:r>
+            <a:br>
+              <a:rPr lang="sv-SE" dirty="0"/>
+            </a:br>
+            <a:br>
+              <a:rPr lang="sv-SE" dirty="0"/>
+            </a:br>
+            <a:endParaRPr lang="sv-SE" dirty="0"/>
+          </a:p>
+          <a:p>
+            <a:pPr marL="0" indent="0">
+              <a:buNone/>
+            </a:pPr>
+            <a:endParaRPr lang="sv-SE" dirty="0"/>
+          </a:p>
+          <a:p>
+            <a:pPr marL="0" indent="0">
+              <a:buNone/>
+            </a:pPr>
             <a:r>
               <a:rPr lang="sv-SE" dirty="0"/>
               <a:t>Ola </a:t>
@@ -12288,6 +13657,80 @@
               <a:t>nightly</a:t>
             </a:r>
             <a:endParaRPr lang="sv-SE" dirty="0"/>
+          </a:p>
+          <a:p>
+            <a:pPr marL="0" indent="0">
+              <a:buNone/>
+            </a:pPr>
+            <a:endParaRPr lang="sv-SE" dirty="0"/>
+          </a:p>
+          <a:p>
+            <a:pPr marL="0" indent="0">
+              <a:buNone/>
+            </a:pPr>
+            <a:endParaRPr lang="sv-SE" dirty="0"/>
+          </a:p>
+          <a:p>
+            <a:pPr marL="0" indent="0">
+              <a:buNone/>
+            </a:pPr>
+            <a:r>
+              <a:rPr lang="sv-SE" dirty="0"/>
+              <a:t>What more </a:t>
+            </a:r>
+            <a:r>
+              <a:rPr lang="sv-SE" dirty="0" err="1"/>
+              <a:t>can</a:t>
+            </a:r>
+            <a:r>
+              <a:rPr lang="sv-SE" dirty="0"/>
+              <a:t> I do?</a:t>
+            </a:r>
+          </a:p>
+          <a:p>
+            <a:pPr marL="0" indent="0">
+              <a:buNone/>
+            </a:pPr>
+            <a:endParaRPr lang="sv-SE" dirty="0"/>
+          </a:p>
+          <a:p>
+            <a:pPr marL="0" indent="0">
+              <a:buNone/>
+            </a:pPr>
+            <a:endParaRPr lang="sv-SE" dirty="0"/>
+          </a:p>
+          <a:p>
+            <a:pPr marL="0" indent="0">
+              <a:buNone/>
+            </a:pPr>
+            <a:r>
+              <a:rPr lang="sv-SE" dirty="0"/>
+              <a:t>This was </a:t>
+            </a:r>
+            <a:r>
+              <a:rPr lang="sv-SE" dirty="0" err="1"/>
+              <a:t>before</a:t>
+            </a:r>
+            <a:r>
+              <a:rPr lang="sv-SE" dirty="0"/>
+              <a:t> the </a:t>
+            </a:r>
+            <a:r>
+              <a:rPr lang="sv-SE" dirty="0" err="1"/>
+              <a:t>days</a:t>
+            </a:r>
+            <a:r>
+              <a:rPr lang="sv-SE" dirty="0"/>
+              <a:t> </a:t>
+            </a:r>
+            <a:r>
+              <a:rPr lang="sv-SE" dirty="0" err="1"/>
+              <a:t>of</a:t>
+            </a:r>
+            <a:r>
+              <a:rPr lang="sv-SE" dirty="0"/>
+              <a:t> Query Store</a:t>
+            </a:r>
           </a:p>
         </p:txBody>
       </p:sp>
@@ -12301,6 +13744,235 @@
   <p:clrMapOvr>
     <a:masterClrMapping/>
   </p:clrMapOvr>
+  <p:timing>
+    <p:tnLst>
+      <p:par>
+        <p:cTn id="1" dur="indefinite" restart="never" nodeType="tmRoot">
+          <p:childTnLst>
+            <p:seq concurrent="1" nextAc="seek">
+              <p:cTn id="2" dur="indefinite" nodeType="mainSeq">
+                <p:childTnLst>
+                  <p:par>
+                    <p:cTn id="3" fill="hold">
+                      <p:stCondLst>
+                        <p:cond delay="indefinite"/>
+                      </p:stCondLst>
+                      <p:childTnLst>
+                        <p:par>
+                          <p:cTn id="4" fill="hold">
+                            <p:stCondLst>
+                              <p:cond delay="0"/>
+                            </p:stCondLst>
+                            <p:childTnLst>
+                              <p:par>
+                                <p:cTn id="5" presetID="1" presetClass="entr" presetSubtype="0" fill="hold" grpId="0" nodeType="clickEffect">
+                                  <p:stCondLst>
+                                    <p:cond delay="0"/>
+                                  </p:stCondLst>
+                                  <p:childTnLst>
+                                    <p:set>
+                                      <p:cBhvr>
+                                        <p:cTn id="6" dur="1" fill="hold">
+                                          <p:stCondLst>
+                                            <p:cond delay="0"/>
+                                          </p:stCondLst>
+                                        </p:cTn>
+                                        <p:tgtEl>
+                                          <p:spTgt spid="3">
+                                            <p:txEl>
+                                              <p:pRg st="0" end="0"/>
+                                            </p:txEl>
+                                          </p:spTgt>
+                                        </p:tgtEl>
+                                        <p:attrNameLst>
+                                          <p:attrName>style.visibility</p:attrName>
+                                        </p:attrNameLst>
+                                      </p:cBhvr>
+                                      <p:to>
+                                        <p:strVal val="visible"/>
+                                      </p:to>
+                                    </p:set>
+                                  </p:childTnLst>
+                                </p:cTn>
+                              </p:par>
+                            </p:childTnLst>
+                          </p:cTn>
+                        </p:par>
+                      </p:childTnLst>
+                    </p:cTn>
+                  </p:par>
+                  <p:par>
+                    <p:cTn id="7" fill="hold">
+                      <p:stCondLst>
+                        <p:cond delay="indefinite"/>
+                      </p:stCondLst>
+                      <p:childTnLst>
+                        <p:par>
+                          <p:cTn id="8" fill="hold">
+                            <p:stCondLst>
+                              <p:cond delay="0"/>
+                            </p:stCondLst>
+                            <p:childTnLst>
+                              <p:par>
+                                <p:cTn id="9" presetID="1" presetClass="entr" presetSubtype="0" fill="hold" grpId="0" nodeType="clickEffect">
+                                  <p:stCondLst>
+                                    <p:cond delay="0"/>
+                                  </p:stCondLst>
+                                  <p:childTnLst>
+                                    <p:set>
+                                      <p:cBhvr>
+                                        <p:cTn id="10" dur="1" fill="hold">
+                                          <p:stCondLst>
+                                            <p:cond delay="0"/>
+                                          </p:stCondLst>
+                                        </p:cTn>
+                                        <p:tgtEl>
+                                          <p:spTgt spid="3">
+                                            <p:txEl>
+                                              <p:pRg st="2" end="2"/>
+                                            </p:txEl>
+                                          </p:spTgt>
+                                        </p:tgtEl>
+                                        <p:attrNameLst>
+                                          <p:attrName>style.visibility</p:attrName>
+                                        </p:attrNameLst>
+                                      </p:cBhvr>
+                                      <p:to>
+                                        <p:strVal val="visible"/>
+                                      </p:to>
+                                    </p:set>
+                                  </p:childTnLst>
+                                </p:cTn>
+                              </p:par>
+                            </p:childTnLst>
+                          </p:cTn>
+                        </p:par>
+                      </p:childTnLst>
+                    </p:cTn>
+                  </p:par>
+                  <p:par>
+                    <p:cTn id="11" fill="hold">
+                      <p:stCondLst>
+                        <p:cond delay="indefinite"/>
+                      </p:stCondLst>
+                      <p:childTnLst>
+                        <p:par>
+                          <p:cTn id="12" fill="hold">
+                            <p:stCondLst>
+                              <p:cond delay="0"/>
+                            </p:stCondLst>
+                            <p:childTnLst>
+                              <p:par>
+                                <p:cTn id="13" presetID="1" presetClass="entr" presetSubtype="0" fill="hold" grpId="0" nodeType="clickEffect">
+                                  <p:stCondLst>
+                                    <p:cond delay="0"/>
+                                  </p:stCondLst>
+                                  <p:childTnLst>
+                                    <p:set>
+                                      <p:cBhvr>
+                                        <p:cTn id="14" dur="1" fill="hold">
+                                          <p:stCondLst>
+                                            <p:cond delay="0"/>
+                                          </p:stCondLst>
+                                        </p:cTn>
+                                        <p:tgtEl>
+                                          <p:spTgt spid="3">
+                                            <p:txEl>
+                                              <p:pRg st="5" end="5"/>
+                                            </p:txEl>
+                                          </p:spTgt>
+                                        </p:tgtEl>
+                                        <p:attrNameLst>
+                                          <p:attrName>style.visibility</p:attrName>
+                                        </p:attrNameLst>
+                                      </p:cBhvr>
+                                      <p:to>
+                                        <p:strVal val="visible"/>
+                                      </p:to>
+                                    </p:set>
+                                  </p:childTnLst>
+                                </p:cTn>
+                              </p:par>
+                            </p:childTnLst>
+                          </p:cTn>
+                        </p:par>
+                      </p:childTnLst>
+                    </p:cTn>
+                  </p:par>
+                  <p:par>
+                    <p:cTn id="15" fill="hold">
+                      <p:stCondLst>
+                        <p:cond delay="indefinite"/>
+                      </p:stCondLst>
+                      <p:childTnLst>
+                        <p:par>
+                          <p:cTn id="16" fill="hold">
+                            <p:stCondLst>
+                              <p:cond delay="0"/>
+                            </p:stCondLst>
+                            <p:childTnLst>
+                              <p:par>
+                                <p:cTn id="17" presetID="1" presetClass="entr" presetSubtype="0" fill="hold" grpId="0" nodeType="clickEffect">
+                                  <p:stCondLst>
+                                    <p:cond delay="0"/>
+                                  </p:stCondLst>
+                                  <p:childTnLst>
+                                    <p:set>
+                                      <p:cBhvr>
+                                        <p:cTn id="18" dur="1" fill="hold">
+                                          <p:stCondLst>
+                                            <p:cond delay="0"/>
+                                          </p:stCondLst>
+                                        </p:cTn>
+                                        <p:tgtEl>
+                                          <p:spTgt spid="3">
+                                            <p:txEl>
+                                              <p:pRg st="8" end="8"/>
+                                            </p:txEl>
+                                          </p:spTgt>
+                                        </p:tgtEl>
+                                        <p:attrNameLst>
+                                          <p:attrName>style.visibility</p:attrName>
+                                        </p:attrNameLst>
+                                      </p:cBhvr>
+                                      <p:to>
+                                        <p:strVal val="visible"/>
+                                      </p:to>
+                                    </p:set>
+                                  </p:childTnLst>
+                                </p:cTn>
+                              </p:par>
+                            </p:childTnLst>
+                          </p:cTn>
+                        </p:par>
+                      </p:childTnLst>
+                    </p:cTn>
+                  </p:par>
+                </p:childTnLst>
+              </p:cTn>
+              <p:prevCondLst>
+                <p:cond evt="onPrev" delay="0">
+                  <p:tgtEl>
+                    <p:sldTgt/>
+                  </p:tgtEl>
+                </p:cond>
+              </p:prevCondLst>
+              <p:nextCondLst>
+                <p:cond evt="onNext" delay="0">
+                  <p:tgtEl>
+                    <p:sldTgt/>
+                  </p:tgtEl>
+                </p:cond>
+              </p:nextCondLst>
+            </p:seq>
+          </p:childTnLst>
+        </p:cTn>
+      </p:par>
+    </p:tnLst>
+    <p:bldLst>
+      <p:bldP spid="3" grpId="0" build="p"/>
+    </p:bldLst>
+  </p:timing>
 </p:sld>
 </file>
 
@@ -13118,12 +14790,9 @@
 </file>
 
 <file path=customXml/item1.xml><?xml version="1.0" encoding="utf-8"?>
-<?mso-contentType ?>
-<FormTemplates xmlns="http://schemas.microsoft.com/sharepoint/v3/contenttype/forms">
-  <Display>DocumentLibraryForm</Display>
-  <Edit>DocumentLibraryForm</Edit>
-  <New>DocumentLibraryForm</New>
-</FormTemplates>
+<p:properties xmlns:p="http://schemas.microsoft.com/office/2006/metadata/properties" xmlns:xsi="http://www.w3.org/2001/XMLSchema-instance" xmlns:pc="http://schemas.microsoft.com/office/infopath/2007/PartnerControls">
+  <documentManagement/>
+</p:properties>
 </file>
 
 <file path=customXml/item2.xml><?xml version="1.0" encoding="utf-8"?>
@@ -13291,15 +14960,19 @@
 </file>
 
 <file path=customXml/item3.xml><?xml version="1.0" encoding="utf-8"?>
-<p:properties xmlns:p="http://schemas.microsoft.com/office/2006/metadata/properties" xmlns:xsi="http://www.w3.org/2001/XMLSchema-instance" xmlns:pc="http://schemas.microsoft.com/office/infopath/2007/PartnerControls">
-  <documentManagement/>
-</p:properties>
+<?mso-contentType ?>
+<FormTemplates xmlns="http://schemas.microsoft.com/sharepoint/v3/contenttype/forms">
+  <Display>DocumentLibraryForm</Display>
+  <Edit>DocumentLibraryForm</Edit>
+  <New>DocumentLibraryForm</New>
+</FormTemplates>
 </file>
 
 <file path=customXml/itemProps1.xml><?xml version="1.0" encoding="utf-8"?>
-<ds:datastoreItem xmlns:ds="http://schemas.openxmlformats.org/officeDocument/2006/customXml" ds:itemID="{C542A527-91EE-49D6-AF42-393E29B98637}">
+<ds:datastoreItem xmlns:ds="http://schemas.openxmlformats.org/officeDocument/2006/customXml" ds:itemID="{A5AA9653-386D-4377-A986-DC4A02C60CD5}">
   <ds:schemaRefs>
-    <ds:schemaRef ds:uri="http://schemas.microsoft.com/sharepoint/v3/contenttype/forms"/>
+    <ds:schemaRef ds:uri="http://schemas.microsoft.com/office/2006/metadata/properties"/>
+    <ds:schemaRef ds:uri="http://schemas.microsoft.com/office/infopath/2007/PartnerControls"/>
   </ds:schemaRefs>
 </ds:datastoreItem>
 </file>
@@ -13323,10 +14996,9 @@
 </file>
 
 <file path=customXml/itemProps3.xml><?xml version="1.0" encoding="utf-8"?>
-<ds:datastoreItem xmlns:ds="http://schemas.openxmlformats.org/officeDocument/2006/customXml" ds:itemID="{A5AA9653-386D-4377-A986-DC4A02C60CD5}">
+<ds:datastoreItem xmlns:ds="http://schemas.openxmlformats.org/officeDocument/2006/customXml" ds:itemID="{C542A527-91EE-49D6-AF42-393E29B98637}">
   <ds:schemaRefs>
-    <ds:schemaRef ds:uri="http://schemas.microsoft.com/office/2006/metadata/properties"/>
-    <ds:schemaRef ds:uri="http://schemas.microsoft.com/office/infopath/2007/PartnerControls"/>
+    <ds:schemaRef ds:uri="http://schemas.microsoft.com/sharepoint/v3/contenttype/forms"/>
   </ds:schemaRefs>
 </ds:datastoreItem>
 </file>
--- a/Statistics an unreliable friend/SQL Saturday 971 Oslo - Statistics an unreliable friend/Statistics_An_Unreliable_Friend_Transmokopter.pptx
+++ b/Statistics an unreliable friend/SQL Saturday 971 Oslo - Statistics an unreliable friend/Statistics_An_Unreliable_Friend_Transmokopter.pptx
@@ -1119,7 +1119,7 @@
           <a:p>
             <a:fld id="{896D3B2D-3924-0B48-B558-93C031AA9A06}" type="datetimeFigureOut">
               <a:rPr lang="en-US" smtClean="0"/>
-              <a:t>8/26/2020</a:t>
+              <a:t>8/28/2020</a:t>
             </a:fld>
             <a:endParaRPr lang="en-US"/>
           </a:p>
@@ -1579,7 +1579,7 @@
             <a:fld id="{B61BEF0D-F0BB-DE4B-95CE-6DB70DBA9567}" type="datetimeFigureOut">
               <a:rPr lang="en-US"/>
               <a:pPr/>
-              <a:t>8/26/2020</a:t>
+              <a:t>8/28/2020</a:t>
             </a:fld>
             <a:endParaRPr lang="en-US"/>
           </a:p>
@@ -1863,7 +1863,7 @@
             <a:fld id="{B61BEF0D-F0BB-DE4B-95CE-6DB70DBA9567}" type="datetimeFigureOut">
               <a:rPr lang="en-US"/>
               <a:pPr/>
-              <a:t>8/26/2020</a:t>
+              <a:t>8/28/2020</a:t>
             </a:fld>
             <a:endParaRPr lang="en-US"/>
           </a:p>
@@ -2174,7 +2174,7 @@
             <a:fld id="{B61BEF0D-F0BB-DE4B-95CE-6DB70DBA9567}" type="datetimeFigureOut">
               <a:rPr lang="en-US"/>
               <a:pPr/>
-              <a:t>8/26/2020</a:t>
+              <a:t>8/28/2020</a:t>
             </a:fld>
             <a:endParaRPr lang="en-US"/>
           </a:p>
@@ -2512,7 +2512,7 @@
             <a:fld id="{B61BEF0D-F0BB-DE4B-95CE-6DB70DBA9567}" type="datetimeFigureOut">
               <a:rPr lang="en-US"/>
               <a:pPr/>
-              <a:t>8/26/2020</a:t>
+              <a:t>8/28/2020</a:t>
             </a:fld>
             <a:endParaRPr lang="en-US"/>
           </a:p>
@@ -2823,7 +2823,7 @@
             <a:fld id="{B61BEF0D-F0BB-DE4B-95CE-6DB70DBA9567}" type="datetimeFigureOut">
               <a:rPr lang="en-US"/>
               <a:pPr/>
-              <a:t>8/26/2020</a:t>
+              <a:t>8/28/2020</a:t>
             </a:fld>
             <a:endParaRPr lang="en-US"/>
           </a:p>
@@ -3213,7 +3213,7 @@
             <a:fld id="{B61BEF0D-F0BB-DE4B-95CE-6DB70DBA9567}" type="datetimeFigureOut">
               <a:rPr lang="en-US"/>
               <a:pPr/>
-              <a:t>8/26/2020</a:t>
+              <a:t>8/28/2020</a:t>
             </a:fld>
             <a:endParaRPr lang="en-US"/>
           </a:p>
@@ -3379,7 +3379,7 @@
           <a:p>
             <a:fld id="{55C6B4A9-1611-4792-9094-5F34BCA07E0B}" type="datetimeFigureOut">
               <a:rPr lang="en-US"/>
-              <a:t>8/26/2020</a:t>
+              <a:t>8/28/2020</a:t>
             </a:fld>
             <a:endParaRPr lang="en-US"/>
           </a:p>
@@ -3555,7 +3555,7 @@
             <a:fld id="{B61BEF0D-F0BB-DE4B-95CE-6DB70DBA9567}" type="datetimeFigureOut">
               <a:rPr lang="en-US"/>
               <a:pPr/>
-              <a:t>8/26/2020</a:t>
+              <a:t>8/28/2020</a:t>
             </a:fld>
             <a:endParaRPr lang="en-US"/>
           </a:p>
@@ -3759,7 +3759,7 @@
           <a:p>
             <a:fld id="{C2231AF4-6FC1-4460-BBC9-D7CD0B6E11EF}" type="datetimeFigureOut">
               <a:rPr lang="sv-SE" smtClean="0"/>
-              <a:t>2020-08-26</a:t>
+              <a:t>2020-08-28</a:t>
             </a:fld>
             <a:endParaRPr lang="sv-SE"/>
           </a:p>
@@ -3957,7 +3957,7 @@
           <a:p>
             <a:fld id="{C2231AF4-6FC1-4460-BBC9-D7CD0B6E11EF}" type="datetimeFigureOut">
               <a:rPr lang="sv-SE" smtClean="0"/>
-              <a:t>2020-08-26</a:t>
+              <a:t>2020-08-28</a:t>
             </a:fld>
             <a:endParaRPr lang="sv-SE"/>
           </a:p>
@@ -4232,7 +4232,7 @@
           <a:p>
             <a:fld id="{C2231AF4-6FC1-4460-BBC9-D7CD0B6E11EF}" type="datetimeFigureOut">
               <a:rPr lang="sv-SE" smtClean="0"/>
-              <a:t>2020-08-26</a:t>
+              <a:t>2020-08-28</a:t>
             </a:fld>
             <a:endParaRPr lang="sv-SE"/>
           </a:p>
@@ -4421,7 +4421,7 @@
             <a:fld id="{B61BEF0D-F0BB-DE4B-95CE-6DB70DBA9567}" type="datetimeFigureOut">
               <a:rPr lang="en-US"/>
               <a:pPr/>
-              <a:t>8/26/2020</a:t>
+              <a:t>8/28/2020</a:t>
             </a:fld>
             <a:endParaRPr lang="en-US"/>
           </a:p>
@@ -4670,7 +4670,7 @@
           <a:p>
             <a:fld id="{C2231AF4-6FC1-4460-BBC9-D7CD0B6E11EF}" type="datetimeFigureOut">
               <a:rPr lang="sv-SE" smtClean="0"/>
-              <a:t>2020-08-26</a:t>
+              <a:t>2020-08-28</a:t>
             </a:fld>
             <a:endParaRPr lang="sv-SE"/>
           </a:p>
@@ -5082,7 +5082,7 @@
           <a:p>
             <a:fld id="{C2231AF4-6FC1-4460-BBC9-D7CD0B6E11EF}" type="datetimeFigureOut">
               <a:rPr lang="sv-SE" smtClean="0"/>
-              <a:t>2020-08-26</a:t>
+              <a:t>2020-08-28</a:t>
             </a:fld>
             <a:endParaRPr lang="sv-SE"/>
           </a:p>
@@ -5223,7 +5223,7 @@
           <a:p>
             <a:fld id="{C2231AF4-6FC1-4460-BBC9-D7CD0B6E11EF}" type="datetimeFigureOut">
               <a:rPr lang="sv-SE" smtClean="0"/>
-              <a:t>2020-08-26</a:t>
+              <a:t>2020-08-28</a:t>
             </a:fld>
             <a:endParaRPr lang="sv-SE"/>
           </a:p>
@@ -5336,7 +5336,7 @@
           <a:p>
             <a:fld id="{C2231AF4-6FC1-4460-BBC9-D7CD0B6E11EF}" type="datetimeFigureOut">
               <a:rPr lang="sv-SE" smtClean="0"/>
-              <a:t>2020-08-26</a:t>
+              <a:t>2020-08-28</a:t>
             </a:fld>
             <a:endParaRPr lang="sv-SE"/>
           </a:p>
@@ -5647,7 +5647,7 @@
           <a:p>
             <a:fld id="{C2231AF4-6FC1-4460-BBC9-D7CD0B6E11EF}" type="datetimeFigureOut">
               <a:rPr lang="sv-SE" smtClean="0"/>
-              <a:t>2020-08-26</a:t>
+              <a:t>2020-08-28</a:t>
             </a:fld>
             <a:endParaRPr lang="sv-SE"/>
           </a:p>
@@ -5935,7 +5935,7 @@
           <a:p>
             <a:fld id="{C2231AF4-6FC1-4460-BBC9-D7CD0B6E11EF}" type="datetimeFigureOut">
               <a:rPr lang="sv-SE" smtClean="0"/>
-              <a:t>2020-08-26</a:t>
+              <a:t>2020-08-28</a:t>
             </a:fld>
             <a:endParaRPr lang="sv-SE"/>
           </a:p>
@@ -6133,7 +6133,7 @@
           <a:p>
             <a:fld id="{C2231AF4-6FC1-4460-BBC9-D7CD0B6E11EF}" type="datetimeFigureOut">
               <a:rPr lang="sv-SE" smtClean="0"/>
-              <a:t>2020-08-26</a:t>
+              <a:t>2020-08-28</a:t>
             </a:fld>
             <a:endParaRPr lang="sv-SE"/>
           </a:p>
@@ -6341,7 +6341,7 @@
           <a:p>
             <a:fld id="{C2231AF4-6FC1-4460-BBC9-D7CD0B6E11EF}" type="datetimeFigureOut">
               <a:rPr lang="sv-SE" smtClean="0"/>
-              <a:t>2020-08-26</a:t>
+              <a:t>2020-08-28</a:t>
             </a:fld>
             <a:endParaRPr lang="sv-SE"/>
           </a:p>
@@ -6601,7 +6601,7 @@
             <a:fld id="{B61BEF0D-F0BB-DE4B-95CE-6DB70DBA9567}" type="datetimeFigureOut">
               <a:rPr lang="en-US"/>
               <a:pPr/>
-              <a:t>8/26/2020</a:t>
+              <a:t>8/28/2020</a:t>
             </a:fld>
             <a:endParaRPr lang="en-US"/>
           </a:p>
@@ -6829,7 +6829,7 @@
           <a:p>
             <a:fld id="{EB712588-04B1-427B-82EE-E8DB90309F08}" type="datetimeFigureOut">
               <a:rPr lang="en-US"/>
-              <a:t>8/26/2020</a:t>
+              <a:t>8/28/2020</a:t>
             </a:fld>
             <a:endParaRPr lang="en-US"/>
           </a:p>
@@ -7199,7 +7199,7 @@
             <a:fld id="{B61BEF0D-F0BB-DE4B-95CE-6DB70DBA9567}" type="datetimeFigureOut">
               <a:rPr lang="en-US"/>
               <a:pPr/>
-              <a:t>8/26/2020</a:t>
+              <a:t>8/28/2020</a:t>
             </a:fld>
             <a:endParaRPr lang="en-US"/>
           </a:p>
@@ -7319,7 +7319,7 @@
             <a:fld id="{B61BEF0D-F0BB-DE4B-95CE-6DB70DBA9567}" type="datetimeFigureOut">
               <a:rPr lang="en-US"/>
               <a:pPr/>
-              <a:t>8/26/2020</a:t>
+              <a:t>8/28/2020</a:t>
             </a:fld>
             <a:endParaRPr lang="en-US"/>
           </a:p>
@@ -7411,7 +7411,7 @@
             <a:fld id="{B61BEF0D-F0BB-DE4B-95CE-6DB70DBA9567}" type="datetimeFigureOut">
               <a:rPr lang="en-US"/>
               <a:pPr/>
-              <a:t>8/26/2020</a:t>
+              <a:t>8/28/2020</a:t>
             </a:fld>
             <a:endParaRPr lang="en-US"/>
           </a:p>
@@ -7662,7 +7662,7 @@
           <a:p>
             <a:fld id="{42A54C80-263E-416B-A8E0-580EDEADCBDC}" type="datetimeFigureOut">
               <a:rPr lang="en-US"/>
-              <a:t>8/26/2020</a:t>
+              <a:t>8/28/2020</a:t>
             </a:fld>
             <a:endParaRPr lang="en-US"/>
           </a:p>
@@ -7921,7 +7921,7 @@
             <a:fld id="{B61BEF0D-F0BB-DE4B-95CE-6DB70DBA9567}" type="datetimeFigureOut">
               <a:rPr lang="en-US"/>
               <a:pPr/>
-              <a:t>8/26/2020</a:t>
+              <a:t>8/28/2020</a:t>
             </a:fld>
             <a:endParaRPr lang="en-US"/>
           </a:p>
@@ -8146,7 +8146,7 @@
             <a:fld id="{B61BEF0D-F0BB-DE4B-95CE-6DB70DBA9567}" type="datetimeFigureOut">
               <a:rPr lang="en-US"/>
               <a:pPr/>
-              <a:t>8/26/2020</a:t>
+              <a:t>8/28/2020</a:t>
             </a:fld>
             <a:endParaRPr lang="en-US"/>
           </a:p>
@@ -8853,7 +8853,7 @@
           <a:p>
             <a:fld id="{C2231AF4-6FC1-4460-BBC9-D7CD0B6E11EF}" type="datetimeFigureOut">
               <a:rPr lang="sv-SE" smtClean="0"/>
-              <a:t>2020-08-26</a:t>
+              <a:t>2020-08-28</a:t>
             </a:fld>
             <a:endParaRPr lang="sv-SE"/>
           </a:p>
@@ -9298,8 +9298,13 @@
           <a:p>
             <a:r>
               <a:rPr lang="en-US" sz="3200" dirty="0"/>
-              <a:t>Statistics, an unreliable friend</a:t>
-            </a:r>
+              <a:t>Statistics, an </a:t>
+            </a:r>
+            <a:r>
+              <a:rPr lang="en-US" sz="3200"/>
+              <a:t>Unreliable Friend</a:t>
+            </a:r>
+            <a:endParaRPr lang="en-US" sz="3200" dirty="0"/>
           </a:p>
         </p:txBody>
       </p:sp>
@@ -12449,8 +12454,8 @@
           </a:extLst>
         </p:spPr>
       </p:pic>
-      <mc:AlternateContent xmlns:mc="http://schemas.openxmlformats.org/markup-compatibility/2006">
-        <mc:Choice xmlns:p14="http://schemas.microsoft.com/office/powerpoint/2010/main" Requires="p14">
+      <mc:AlternateContent xmlns:mc="http://schemas.openxmlformats.org/markup-compatibility/2006" xmlns:p14="http://schemas.microsoft.com/office/powerpoint/2010/main">
+        <mc:Choice Requires="p14">
           <p:contentPart p14:bwMode="auto" r:id="rId4">
             <p14:nvContentPartPr>
               <p14:cNvPr id="4" name="Pennanteckning 3">
@@ -12469,7 +12474,7 @@
             </p14:xfrm>
           </p:contentPart>
         </mc:Choice>
-        <mc:Fallback>
+        <mc:Fallback xmlns="">
           <p:pic>
             <p:nvPicPr>
               <p:cNvPr id="4" name="Pennanteckning 3">
@@ -12500,8 +12505,8 @@
           </p:pic>
         </mc:Fallback>
       </mc:AlternateContent>
-      <mc:AlternateContent xmlns:mc="http://schemas.openxmlformats.org/markup-compatibility/2006">
-        <mc:Choice xmlns:p14="http://schemas.microsoft.com/office/powerpoint/2010/main" Requires="p14">
+      <mc:AlternateContent xmlns:mc="http://schemas.openxmlformats.org/markup-compatibility/2006" xmlns:p14="http://schemas.microsoft.com/office/powerpoint/2010/main">
+        <mc:Choice Requires="p14">
           <p:contentPart p14:bwMode="auto" r:id="rId6">
             <p14:nvContentPartPr>
               <p14:cNvPr id="6" name="Pennanteckning 5">
@@ -12520,7 +12525,7 @@
             </p14:xfrm>
           </p:contentPart>
         </mc:Choice>
-        <mc:Fallback>
+        <mc:Fallback xmlns="">
           <p:pic>
             <p:nvPicPr>
               <p:cNvPr id="6" name="Pennanteckning 5">
@@ -12934,7 +12939,7 @@
             </a:r>
             <a:r>
               <a:rPr lang="sv-SE" dirty="0"/>
-              <a:t> at =&gt; I’m </a:t>
+              <a:t> at =&gt; DBA </a:t>
             </a:r>
             <a:r>
               <a:rPr lang="sv-SE" dirty="0" err="1"/>
